--- a/Online Shopping Cart.pptx
+++ b/Online Shopping Cart.pptx
@@ -12,8 +12,10 @@
     <p:sldId id="258" r:id="rId6"/>
     <p:sldId id="261" r:id="rId7"/>
     <p:sldId id="262" r:id="rId8"/>
-    <p:sldId id="263" r:id="rId9"/>
-    <p:sldId id="264" r:id="rId10"/>
+    <p:sldId id="265" r:id="rId9"/>
+    <p:sldId id="263" r:id="rId10"/>
+    <p:sldId id="266" r:id="rId11"/>
+    <p:sldId id="264" r:id="rId12"/>
   </p:sldIdLst>
   <p:sldSz cx="12192000" cy="6858000"/>
   <p:notesSz cx="6858000" cy="9144000"/>
@@ -281,7 +283,7 @@
           <a:p>
             <a:fld id="{79C5A860-F335-4252-AA00-24FB67ED2982}" type="datetime1">
               <a:rPr lang="en-US" smtClean="0"/>
-              <a:t>10/6/2021</a:t>
+              <a:t>10/9/2021</a:t>
             </a:fld>
             <a:endParaRPr lang="en-US"/>
           </a:p>
@@ -480,7 +482,7 @@
           <a:p>
             <a:fld id="{46AB1048-0047-48CA-88BA-D69B470942CF}" type="datetime1">
               <a:rPr lang="en-US" smtClean="0"/>
-              <a:t>10/6/2021</a:t>
+              <a:t>10/9/2021</a:t>
             </a:fld>
             <a:endParaRPr lang="en-US"/>
           </a:p>
@@ -690,7 +692,7 @@
           <a:p>
             <a:fld id="{5BD83879-648C-49A9-81A2-0EF5946532D0}" type="datetime1">
               <a:rPr lang="en-US" smtClean="0"/>
-              <a:t>10/6/2021</a:t>
+              <a:t>10/9/2021</a:t>
             </a:fld>
             <a:endParaRPr lang="en-US"/>
           </a:p>
@@ -888,7 +890,7 @@
           <a:p>
             <a:fld id="{D04BC802-30E3-4658-9CCA-F873646FEC67}" type="datetime1">
               <a:rPr lang="en-US" smtClean="0"/>
-              <a:t>10/6/2021</a:t>
+              <a:t>10/9/2021</a:t>
             </a:fld>
             <a:endParaRPr lang="en-US"/>
           </a:p>
@@ -1166,7 +1168,7 @@
           <a:p>
             <a:fld id="{0AB227A3-19CE-4153-81CE-64EB7AB094B3}" type="datetime1">
               <a:rPr lang="en-US" smtClean="0"/>
-              <a:t>10/6/2021</a:t>
+              <a:t>10/9/2021</a:t>
             </a:fld>
             <a:endParaRPr lang="en-US"/>
           </a:p>
@@ -1433,7 +1435,7 @@
           <a:p>
             <a:fld id="{B819A100-10F6-477E-8847-29D479EF1C92}" type="datetime1">
               <a:rPr lang="en-US" smtClean="0"/>
-              <a:t>10/6/2021</a:t>
+              <a:t>10/9/2021</a:t>
             </a:fld>
             <a:endParaRPr lang="en-US"/>
           </a:p>
@@ -1847,7 +1849,7 @@
           <a:p>
             <a:fld id="{5DF128AB-198A-495F-8475-FDB360C9873F}" type="datetime1">
               <a:rPr lang="en-US" smtClean="0"/>
-              <a:t>10/6/2021</a:t>
+              <a:t>10/9/2021</a:t>
             </a:fld>
             <a:endParaRPr lang="en-US"/>
           </a:p>
@@ -1988,7 +1990,7 @@
           <a:p>
             <a:fld id="{021A235E-F8FD-479F-9FC7-18BE84110877}" type="datetime1">
               <a:rPr lang="en-US" smtClean="0"/>
-              <a:t>10/6/2021</a:t>
+              <a:t>10/9/2021</a:t>
             </a:fld>
             <a:endParaRPr lang="en-US"/>
           </a:p>
@@ -2101,7 +2103,7 @@
           <a:p>
             <a:fld id="{E890F09B-68DA-462E-9DB4-4C9ADAB8CBCC}" type="datetime1">
               <a:rPr lang="en-US" smtClean="0"/>
-              <a:t>10/6/2021</a:t>
+              <a:t>10/9/2021</a:t>
             </a:fld>
             <a:endParaRPr lang="en-US"/>
           </a:p>
@@ -2420,7 +2422,7 @@
           <a:p>
             <a:fld id="{17AC4E36-FABE-47EB-AA7F-C19A93824617}" type="datetime1">
               <a:rPr lang="en-US" smtClean="0"/>
-              <a:t>10/6/2021</a:t>
+              <a:t>10/9/2021</a:t>
             </a:fld>
             <a:endParaRPr lang="en-US"/>
           </a:p>
@@ -2717,7 +2719,7 @@
           <a:p>
             <a:fld id="{F199CE6B-5DE6-4A2D-B72E-5E8969F9F56F}" type="datetime1">
               <a:rPr lang="en-US" smtClean="0"/>
-              <a:t>10/6/2021</a:t>
+              <a:t>10/9/2021</a:t>
             </a:fld>
             <a:endParaRPr lang="en-US"/>
           </a:p>
@@ -3575,7 +3577,7 @@
           <a:p>
             <a:fld id="{F481A142-DA77-4A5F-AD1F-14E6C18F0F5F}" type="datetime1">
               <a:rPr lang="en-US" smtClean="0"/>
-              <a:t>10/6/2021</a:t>
+              <a:t>10/9/2021</a:t>
             </a:fld>
             <a:endParaRPr lang="en-US" dirty="0"/>
           </a:p>
@@ -4414,8 +4416,8 @@
         </p:nvSpPr>
         <p:spPr>
           <a:xfrm>
-            <a:off x="3412551" y="5701511"/>
-            <a:ext cx="3086100" cy="646331"/>
+            <a:off x="3412550" y="5701511"/>
+            <a:ext cx="5328777" cy="923330"/>
           </a:xfrm>
           <a:prstGeom prst="rect">
             <a:avLst/>
@@ -4437,6 +4439,12 @@
             <a:r>
               <a:rPr lang="en-US" dirty="0"/>
               <a:t>DonaldJ.K(5617)</a:t>
+            </a:r>
+          </a:p>
+          <a:p>
+            <a:r>
+              <a:rPr lang="en-US" dirty="0"/>
+              <a:t>Enrollment ID : EBEON0621384678</a:t>
             </a:r>
           </a:p>
         </p:txBody>
@@ -4454,7 +4462,7 @@
 </p:sld>
 </file>
 
-<file path=ppt/slides/slide2.xml><?xml version="1.0" encoding="utf-8"?>
+<file path=ppt/slides/slide10.xml><?xml version="1.0" encoding="utf-8"?>
 <p:sld xmlns:a="http://schemas.openxmlformats.org/drawingml/2006/main" xmlns:r="http://schemas.openxmlformats.org/officeDocument/2006/relationships" xmlns:p="http://schemas.openxmlformats.org/presentationml/2006/main">
   <p:cSld>
     <p:spTree>
@@ -4476,7 +4484,7 @@
           <p:cNvPr id="2" name="Title 1">
             <a:extLst>
               <a:ext uri="{FF2B5EF4-FFF2-40B4-BE49-F238E27FC236}">
-                <a16:creationId xmlns:a16="http://schemas.microsoft.com/office/drawing/2014/main" id="{F89B0DB2-FAE0-4723-83F7-B3FBBE3125CB}"/>
+                <a16:creationId xmlns:a16="http://schemas.microsoft.com/office/drawing/2014/main" id="{9CDD749D-C7AC-4C9A-8349-DC9393FF296C}"/>
               </a:ext>
             </a:extLst>
           </p:cNvPr>
@@ -4489,91 +4497,60 @@
         </p:nvSpPr>
         <p:spPr>
           <a:xfrm>
-            <a:off x="114650" y="830510"/>
-            <a:ext cx="10972800" cy="692110"/>
+            <a:off x="161925" y="228600"/>
+            <a:ext cx="10972800" cy="892747"/>
           </a:xfrm>
         </p:spPr>
         <p:txBody>
-          <a:bodyPr>
-            <a:normAutofit fontScale="90000"/>
-          </a:bodyPr>
-          <a:lstStyle/>
-          <a:p>
-            <a:r>
-              <a:rPr lang="en-US" sz="4000" dirty="0"/>
-              <a:t>Spring-Boot</a:t>
-            </a:r>
-          </a:p>
-        </p:txBody>
-      </p:sp>
-      <p:sp>
-        <p:nvSpPr>
-          <p:cNvPr id="3" name="Content Placeholder 2">
-            <a:extLst>
-              <a:ext uri="{FF2B5EF4-FFF2-40B4-BE49-F238E27FC236}">
-                <a16:creationId xmlns:a16="http://schemas.microsoft.com/office/drawing/2014/main" id="{EB783DF8-A823-4BEC-BAA6-A6C1BB395113}"/>
-              </a:ext>
-            </a:extLst>
-          </p:cNvPr>
-          <p:cNvSpPr>
-            <a:spLocks noGrp="1"/>
-          </p:cNvSpPr>
+          <a:bodyPr/>
+          <a:lstStyle/>
+          <a:p>
+            <a:r>
+              <a:rPr lang="en-US" dirty="0"/>
+              <a:t>UML Diagram:</a:t>
+            </a:r>
+          </a:p>
+        </p:txBody>
+      </p:sp>
+      <p:pic>
+        <p:nvPicPr>
+          <p:cNvPr id="5" name="Content Placeholder 4" descr="Graphical user interface, diagram, application&#10;&#10;Description automatically generated">
+            <a:extLst>
+              <a:ext uri="{FF2B5EF4-FFF2-40B4-BE49-F238E27FC236}">
+                <a16:creationId xmlns:a16="http://schemas.microsoft.com/office/drawing/2014/main" id="{E31897E9-B5F1-40B6-B6AC-51F86D8E3DCB}"/>
+              </a:ext>
+            </a:extLst>
+          </p:cNvPr>
+          <p:cNvPicPr>
+            <a:picLocks noGrp="1" noChangeAspect="1"/>
+          </p:cNvPicPr>
           <p:nvPr>
             <p:ph idx="1"/>
           </p:nvPr>
-        </p:nvSpPr>
+        </p:nvPicPr>
+        <p:blipFill>
+          <a:blip r:embed="rId2">
+            <a:extLst>
+              <a:ext uri="{28A0092B-C50C-407E-A947-70E740481C1C}">
+                <a14:useLocalDpi xmlns:a14="http://schemas.microsoft.com/office/drawing/2010/main" val="0"/>
+              </a:ext>
+            </a:extLst>
+          </a:blip>
+          <a:stretch>
+            <a:fillRect/>
+          </a:stretch>
+        </p:blipFill>
         <p:spPr>
           <a:xfrm>
-            <a:off x="500544" y="1837755"/>
-            <a:ext cx="10972800" cy="5821393"/>
+            <a:off x="763418" y="1323975"/>
+            <a:ext cx="10371308" cy="5446385"/>
           </a:xfrm>
         </p:spPr>
-        <p:txBody>
-          <a:bodyPr/>
-          <a:lstStyle/>
-          <a:p>
-            <a:pPr marL="342900" indent="-342900">
-              <a:buFont typeface="Wingdings" panose="05000000000000000000" pitchFamily="2" charset="2"/>
-              <a:buChar char="ü"/>
-            </a:pPr>
-            <a:r>
-              <a:rPr lang="en-US" dirty="0"/>
-              <a:t>Spring Boot makes it easy to create stand-alone, production-grade Spring based Applications that you can "just run".</a:t>
-            </a:r>
-          </a:p>
-          <a:p>
-            <a:pPr marL="342900" indent="-342900">
-              <a:buFont typeface="Wingdings" panose="05000000000000000000" pitchFamily="2" charset="2"/>
-              <a:buChar char="ü"/>
-            </a:pPr>
-            <a:r>
-              <a:rPr lang="en-US" dirty="0"/>
-              <a:t>We take an opinionated view of the Spring platform and third-party libraries so you can get started with minimum fuss. Most Spring Boot applications need minimal Spring configuration.</a:t>
-            </a:r>
-          </a:p>
-          <a:p>
-            <a:r>
-              <a:rPr lang="en-US" sz="2800" dirty="0"/>
-              <a:t>Uses:</a:t>
-            </a:r>
-          </a:p>
-          <a:p>
-            <a:pPr marL="457200" indent="-457200">
-              <a:buFont typeface="Wingdings" panose="05000000000000000000" pitchFamily="2" charset="2"/>
-              <a:buChar char="ü"/>
-            </a:pPr>
-            <a:r>
-              <a:rPr lang="en-US" dirty="0"/>
-              <a:t>Spring Boot helps developers create applications that just run. Specifically, it lets you create standalone applications that run on their own, without relying on an external web server, by embedding a web server such as Tomcat into your app during the initialization process</a:t>
-            </a:r>
-            <a:endParaRPr lang="en-US" sz="2800" dirty="0"/>
-          </a:p>
-        </p:txBody>
-      </p:sp>
+      </p:pic>
     </p:spTree>
     <p:extLst>
       <p:ext uri="{BB962C8B-B14F-4D97-AF65-F5344CB8AC3E}">
-        <p14:creationId xmlns:p14="http://schemas.microsoft.com/office/powerpoint/2010/main" val="2891659495"/>
+        <p14:creationId xmlns:p14="http://schemas.microsoft.com/office/powerpoint/2010/main" val="490601540"/>
       </p:ext>
     </p:extLst>
   </p:cSld>
@@ -4583,1093 +4560,7 @@
 </p:sld>
 </file>
 
-<file path=ppt/slides/slide3.xml><?xml version="1.0" encoding="utf-8"?>
-<p:sld xmlns:a="http://schemas.openxmlformats.org/drawingml/2006/main" xmlns:r="http://schemas.openxmlformats.org/officeDocument/2006/relationships" xmlns:p="http://schemas.openxmlformats.org/presentationml/2006/main">
-  <p:cSld>
-    <p:spTree>
-      <p:nvGrpSpPr>
-        <p:cNvPr id="1" name=""/>
-        <p:cNvGrpSpPr/>
-        <p:nvPr/>
-      </p:nvGrpSpPr>
-      <p:grpSpPr>
-        <a:xfrm>
-          <a:off x="0" y="0"/>
-          <a:ext cx="0" cy="0"/>
-          <a:chOff x="0" y="0"/>
-          <a:chExt cx="0" cy="0"/>
-        </a:xfrm>
-      </p:grpSpPr>
-      <p:sp>
-        <p:nvSpPr>
-          <p:cNvPr id="2" name="Title 1">
-            <a:extLst>
-              <a:ext uri="{FF2B5EF4-FFF2-40B4-BE49-F238E27FC236}">
-                <a16:creationId xmlns:a16="http://schemas.microsoft.com/office/drawing/2014/main" id="{16216C69-AAC8-42AF-9328-36B4EB7F3541}"/>
-              </a:ext>
-            </a:extLst>
-          </p:cNvPr>
-          <p:cNvSpPr>
-            <a:spLocks noGrp="1"/>
-          </p:cNvSpPr>
-          <p:nvPr>
-            <p:ph type="title"/>
-          </p:nvPr>
-        </p:nvSpPr>
-        <p:spPr>
-          <a:xfrm>
-            <a:off x="0" y="285226"/>
-            <a:ext cx="10972800" cy="675332"/>
-          </a:xfrm>
-        </p:spPr>
-        <p:txBody>
-          <a:bodyPr>
-            <a:normAutofit fontScale="90000"/>
-          </a:bodyPr>
-          <a:lstStyle/>
-          <a:p>
-            <a:r>
-              <a:rPr lang="en-US" sz="4000" dirty="0"/>
-              <a:t>Spring-Boot Creation:</a:t>
-            </a:r>
-          </a:p>
-        </p:txBody>
-      </p:sp>
-      <p:sp>
-        <p:nvSpPr>
-          <p:cNvPr id="3" name="Content Placeholder 2">
-            <a:extLst>
-              <a:ext uri="{FF2B5EF4-FFF2-40B4-BE49-F238E27FC236}">
-                <a16:creationId xmlns:a16="http://schemas.microsoft.com/office/drawing/2014/main" id="{B6FA2692-2E7C-471E-877B-B8BBB4749F6F}"/>
-              </a:ext>
-            </a:extLst>
-          </p:cNvPr>
-          <p:cNvSpPr>
-            <a:spLocks noGrp="1"/>
-          </p:cNvSpPr>
-          <p:nvPr>
-            <p:ph idx="1"/>
-          </p:nvPr>
-        </p:nvSpPr>
-        <p:spPr>
-          <a:xfrm>
-            <a:off x="609600" y="1166636"/>
-            <a:ext cx="10972800" cy="5691363"/>
-          </a:xfrm>
-        </p:spPr>
-        <p:txBody>
-          <a:bodyPr/>
-          <a:lstStyle/>
-          <a:p>
-            <a:pPr marL="342900" indent="-342900">
-              <a:buFont typeface="Wingdings" panose="05000000000000000000" pitchFamily="2" charset="2"/>
-              <a:buChar char="ü"/>
-            </a:pPr>
-            <a:r>
-              <a:rPr lang="en-US" dirty="0"/>
-              <a:t>To Create a Spring-Boot project the system requirements are java ,maven and spring framework.</a:t>
-            </a:r>
-          </a:p>
-          <a:p>
-            <a:pPr marL="342900" indent="-342900">
-              <a:buFont typeface="Wingdings" panose="05000000000000000000" pitchFamily="2" charset="2"/>
-              <a:buChar char="ü"/>
-            </a:pPr>
-            <a:r>
-              <a:rPr lang="en-US" dirty="0"/>
-              <a:t>To create a Spring Boot Project in a simple way go to Spring-Initializer </a:t>
-            </a:r>
-            <a:r>
-              <a:rPr lang="en-US" dirty="0">
-                <a:hlinkClick r:id="rId2"/>
-              </a:rPr>
-              <a:t>https://start.spring.io/</a:t>
-            </a:r>
-            <a:r>
-              <a:rPr lang="en-US" dirty="0"/>
-              <a:t> in that Select the or add the necessary dependencies and give the appropriate Group , Name, Artifact Id etc.</a:t>
-            </a:r>
-          </a:p>
-          <a:p>
-            <a:pPr marL="342900" indent="-342900">
-              <a:buFont typeface="Wingdings" panose="05000000000000000000" pitchFamily="2" charset="2"/>
-              <a:buChar char="ü"/>
-            </a:pPr>
-            <a:r>
-              <a:rPr lang="en-US" dirty="0"/>
-              <a:t>Then click on Generate and it gives us a jar file which needs to be extracted and the extracted file should be imported into our workspace to work with it.</a:t>
-            </a:r>
-          </a:p>
-        </p:txBody>
-      </p:sp>
-      <p:pic>
-        <p:nvPicPr>
-          <p:cNvPr id="5" name="Picture 4">
-            <a:extLst>
-              <a:ext uri="{FF2B5EF4-FFF2-40B4-BE49-F238E27FC236}">
-                <a16:creationId xmlns:a16="http://schemas.microsoft.com/office/drawing/2014/main" id="{0BF16538-ADCD-4E79-AB11-12B9EE8F496F}"/>
-              </a:ext>
-            </a:extLst>
-          </p:cNvPr>
-          <p:cNvPicPr>
-            <a:picLocks noChangeAspect="1"/>
-          </p:cNvPicPr>
-          <p:nvPr/>
-        </p:nvPicPr>
-        <p:blipFill>
-          <a:blip r:embed="rId3">
-            <a:extLst>
-              <a:ext uri="{28A0092B-C50C-407E-A947-70E740481C1C}">
-                <a14:useLocalDpi xmlns:a14="http://schemas.microsoft.com/office/drawing/2010/main" val="0"/>
-              </a:ext>
-            </a:extLst>
-          </a:blip>
-          <a:stretch>
-            <a:fillRect/>
-          </a:stretch>
-        </p:blipFill>
-        <p:spPr>
-          <a:xfrm>
-            <a:off x="2290195" y="3766658"/>
-            <a:ext cx="7231310" cy="3007452"/>
-          </a:xfrm>
-          <a:prstGeom prst="rect">
-            <a:avLst/>
-          </a:prstGeom>
-        </p:spPr>
-      </p:pic>
-    </p:spTree>
-    <p:extLst>
-      <p:ext uri="{BB962C8B-B14F-4D97-AF65-F5344CB8AC3E}">
-        <p14:creationId xmlns:p14="http://schemas.microsoft.com/office/powerpoint/2010/main" val="2049234478"/>
-      </p:ext>
-    </p:extLst>
-  </p:cSld>
-  <p:clrMapOvr>
-    <a:masterClrMapping/>
-  </p:clrMapOvr>
-</p:sld>
-</file>
-
-<file path=ppt/slides/slide4.xml><?xml version="1.0" encoding="utf-8"?>
-<p:sld xmlns:a="http://schemas.openxmlformats.org/drawingml/2006/main" xmlns:r="http://schemas.openxmlformats.org/officeDocument/2006/relationships" xmlns:p="http://schemas.openxmlformats.org/presentationml/2006/main">
-  <p:cSld>
-    <p:spTree>
-      <p:nvGrpSpPr>
-        <p:cNvPr id="1" name=""/>
-        <p:cNvGrpSpPr/>
-        <p:nvPr/>
-      </p:nvGrpSpPr>
-      <p:grpSpPr>
-        <a:xfrm>
-          <a:off x="0" y="0"/>
-          <a:ext cx="0" cy="0"/>
-          <a:chOff x="0" y="0"/>
-          <a:chExt cx="0" cy="0"/>
-        </a:xfrm>
-      </p:grpSpPr>
-      <p:sp>
-        <p:nvSpPr>
-          <p:cNvPr id="2" name="Title 1">
-            <a:extLst>
-              <a:ext uri="{FF2B5EF4-FFF2-40B4-BE49-F238E27FC236}">
-                <a16:creationId xmlns:a16="http://schemas.microsoft.com/office/drawing/2014/main" id="{D4847B3C-DBCC-457A-979E-DE650980D29B}"/>
-              </a:ext>
-            </a:extLst>
-          </p:cNvPr>
-          <p:cNvSpPr>
-            <a:spLocks noGrp="1"/>
-          </p:cNvSpPr>
-          <p:nvPr>
-            <p:ph type="title"/>
-          </p:nvPr>
-        </p:nvSpPr>
-        <p:spPr>
-          <a:xfrm>
-            <a:off x="131428" y="201336"/>
-            <a:ext cx="10972800" cy="784389"/>
-          </a:xfrm>
-        </p:spPr>
-        <p:txBody>
-          <a:bodyPr>
-            <a:normAutofit/>
-          </a:bodyPr>
-          <a:lstStyle/>
-          <a:p>
-            <a:r>
-              <a:rPr lang="en-US" sz="4000" dirty="0"/>
-              <a:t>Introduction:</a:t>
-            </a:r>
-          </a:p>
-        </p:txBody>
-      </p:sp>
-      <p:sp>
-        <p:nvSpPr>
-          <p:cNvPr id="3" name="Content Placeholder 2">
-            <a:extLst>
-              <a:ext uri="{FF2B5EF4-FFF2-40B4-BE49-F238E27FC236}">
-                <a16:creationId xmlns:a16="http://schemas.microsoft.com/office/drawing/2014/main" id="{41B513D7-6E86-428D-BF12-050A6CF9C08D}"/>
-              </a:ext>
-            </a:extLst>
-          </p:cNvPr>
-          <p:cNvSpPr>
-            <a:spLocks noGrp="1"/>
-          </p:cNvSpPr>
-          <p:nvPr>
-            <p:ph idx="1"/>
-          </p:nvPr>
-        </p:nvSpPr>
-        <p:spPr>
-          <a:xfrm>
-            <a:off x="609600" y="985725"/>
-            <a:ext cx="10972800" cy="5775802"/>
-          </a:xfrm>
-        </p:spPr>
-        <p:txBody>
-          <a:bodyPr>
-            <a:normAutofit lnSpcReduction="10000"/>
-          </a:bodyPr>
-          <a:lstStyle/>
-          <a:p>
-            <a:pPr marL="342900" indent="-342900">
-              <a:buFont typeface="Wingdings" panose="05000000000000000000" pitchFamily="2" charset="2"/>
-              <a:buChar char="ü"/>
-            </a:pPr>
-            <a:r>
-              <a:rPr lang="en-US" dirty="0"/>
-              <a:t>Our Online Shopping Cart is developed using Spring-Boot with multiple modules in it.</a:t>
-            </a:r>
-          </a:p>
-          <a:p>
-            <a:pPr marL="342900" indent="-342900">
-              <a:buFont typeface="Wingdings" panose="05000000000000000000" pitchFamily="2" charset="2"/>
-              <a:buChar char="ü"/>
-            </a:pPr>
-            <a:r>
-              <a:rPr lang="en-US" dirty="0"/>
-              <a:t>Online Shopping Cart is used </a:t>
-            </a:r>
-            <a:r>
-              <a:rPr lang="en-US"/>
-              <a:t>to buy </a:t>
-            </a:r>
-            <a:r>
-              <a:rPr lang="en-US" dirty="0"/>
-              <a:t>Products online without the need of going to shop and buying it in person.</a:t>
-            </a:r>
-          </a:p>
-          <a:p>
-            <a:pPr marL="342900" indent="-342900">
-              <a:buFont typeface="Wingdings" panose="05000000000000000000" pitchFamily="2" charset="2"/>
-              <a:buChar char="ü"/>
-            </a:pPr>
-            <a:r>
-              <a:rPr lang="en-US" dirty="0"/>
-              <a:t>An Online Shopping consists of multiple number of Dealers and Buyers.</a:t>
-            </a:r>
-          </a:p>
-          <a:p>
-            <a:pPr marL="342900" indent="-342900">
-              <a:buFont typeface="Wingdings" panose="05000000000000000000" pitchFamily="2" charset="2"/>
-              <a:buChar char="ü"/>
-            </a:pPr>
-            <a:r>
-              <a:rPr lang="en-US" dirty="0"/>
-              <a:t>Products can be viewed by the users and if interested they can buy and pay via Online payment or cash on delivery.</a:t>
-            </a:r>
-          </a:p>
-          <a:p>
-            <a:pPr marL="342900" indent="-342900">
-              <a:buFont typeface="Wingdings" panose="05000000000000000000" pitchFamily="2" charset="2"/>
-              <a:buChar char="ü"/>
-            </a:pPr>
-            <a:r>
-              <a:rPr lang="en-US" dirty="0"/>
-              <a:t>In our Online Shopping Cart we have some modules to work with,</a:t>
-            </a:r>
-          </a:p>
-          <a:p>
-            <a:r>
-              <a:rPr lang="en-US" dirty="0"/>
-              <a:t>        They are,</a:t>
-            </a:r>
-          </a:p>
-          <a:p>
-            <a:r>
-              <a:rPr lang="en-US" dirty="0"/>
-              <a:t>                         </a:t>
-            </a:r>
-            <a:r>
-              <a:rPr lang="en-US" sz="1600" dirty="0"/>
-              <a:t>Login and Registration,</a:t>
-            </a:r>
-          </a:p>
-          <a:p>
-            <a:r>
-              <a:rPr lang="en-US" sz="1600" dirty="0"/>
-              <a:t>                               Admin,</a:t>
-            </a:r>
-          </a:p>
-          <a:p>
-            <a:r>
-              <a:rPr lang="en-US" sz="1600" dirty="0"/>
-              <a:t>                               User,</a:t>
-            </a:r>
-          </a:p>
-          <a:p>
-            <a:r>
-              <a:rPr lang="en-US" sz="1600" dirty="0"/>
-              <a:t>                               Dealer,</a:t>
-            </a:r>
-          </a:p>
-          <a:p>
-            <a:r>
-              <a:rPr lang="en-US" sz="1600" dirty="0"/>
-              <a:t>                               Cart,</a:t>
-            </a:r>
-          </a:p>
-          <a:p>
-            <a:r>
-              <a:rPr lang="en-US" sz="1600" dirty="0"/>
-              <a:t>                               Payment.</a:t>
-            </a:r>
-          </a:p>
-        </p:txBody>
-      </p:sp>
-    </p:spTree>
-    <p:extLst>
-      <p:ext uri="{BB962C8B-B14F-4D97-AF65-F5344CB8AC3E}">
-        <p14:creationId xmlns:p14="http://schemas.microsoft.com/office/powerpoint/2010/main" val="2621975618"/>
-      </p:ext>
-    </p:extLst>
-  </p:cSld>
-  <p:clrMapOvr>
-    <a:masterClrMapping/>
-  </p:clrMapOvr>
-</p:sld>
-</file>
-
-<file path=ppt/slides/slide5.xml><?xml version="1.0" encoding="utf-8"?>
-<p:sld xmlns:a="http://schemas.openxmlformats.org/drawingml/2006/main" xmlns:r="http://schemas.openxmlformats.org/officeDocument/2006/relationships" xmlns:p="http://schemas.openxmlformats.org/presentationml/2006/main">
-  <p:cSld>
-    <p:spTree>
-      <p:nvGrpSpPr>
-        <p:cNvPr id="1" name=""/>
-        <p:cNvGrpSpPr/>
-        <p:nvPr/>
-      </p:nvGrpSpPr>
-      <p:grpSpPr>
-        <a:xfrm>
-          <a:off x="0" y="0"/>
-          <a:ext cx="0" cy="0"/>
-          <a:chOff x="0" y="0"/>
-          <a:chExt cx="0" cy="0"/>
-        </a:xfrm>
-      </p:grpSpPr>
-      <p:sp>
-        <p:nvSpPr>
-          <p:cNvPr id="2" name="Title 1">
-            <a:extLst>
-              <a:ext uri="{FF2B5EF4-FFF2-40B4-BE49-F238E27FC236}">
-                <a16:creationId xmlns:a16="http://schemas.microsoft.com/office/drawing/2014/main" id="{397D209B-C485-4B18-9479-BD5D759E4786}"/>
-              </a:ext>
-            </a:extLst>
-          </p:cNvPr>
-          <p:cNvSpPr>
-            <a:spLocks noGrp="1"/>
-          </p:cNvSpPr>
-          <p:nvPr>
-            <p:ph type="title"/>
-          </p:nvPr>
-        </p:nvSpPr>
-        <p:spPr>
-          <a:xfrm>
-            <a:off x="257262" y="1023457"/>
-            <a:ext cx="10972800" cy="608220"/>
-          </a:xfrm>
-        </p:spPr>
-        <p:txBody>
-          <a:bodyPr>
-            <a:normAutofit fontScale="90000"/>
-          </a:bodyPr>
-          <a:lstStyle/>
-          <a:p>
-            <a:r>
-              <a:rPr lang="en-US" sz="4000" dirty="0"/>
-              <a:t>Module:</a:t>
-            </a:r>
-          </a:p>
-        </p:txBody>
-      </p:sp>
-      <p:sp>
-        <p:nvSpPr>
-          <p:cNvPr id="3" name="Content Placeholder 2">
-            <a:extLst>
-              <a:ext uri="{FF2B5EF4-FFF2-40B4-BE49-F238E27FC236}">
-                <a16:creationId xmlns:a16="http://schemas.microsoft.com/office/drawing/2014/main" id="{63F225AF-EC0E-4FCA-B1B9-91F696105D80}"/>
-              </a:ext>
-            </a:extLst>
-          </p:cNvPr>
-          <p:cNvSpPr>
-            <a:spLocks noGrp="1"/>
-          </p:cNvSpPr>
-          <p:nvPr>
-            <p:ph idx="1"/>
-          </p:nvPr>
-        </p:nvSpPr>
-        <p:spPr>
-          <a:xfrm>
-            <a:off x="827713" y="2017571"/>
-            <a:ext cx="10972800" cy="4036534"/>
-          </a:xfrm>
-        </p:spPr>
-        <p:txBody>
-          <a:bodyPr>
-            <a:normAutofit/>
-          </a:bodyPr>
-          <a:lstStyle/>
-          <a:p>
-            <a:r>
-              <a:rPr lang="en-US" sz="2800" dirty="0"/>
-              <a:t>User Module:</a:t>
-            </a:r>
-          </a:p>
-          <a:p>
-            <a:pPr marL="457200" indent="-457200">
-              <a:buFont typeface="Wingdings" panose="05000000000000000000" pitchFamily="2" charset="2"/>
-              <a:buChar char="ü"/>
-            </a:pPr>
-            <a:r>
-              <a:rPr lang="en-US" dirty="0"/>
-              <a:t>In this module we are going to surf through the working process of User.</a:t>
-            </a:r>
-          </a:p>
-          <a:p>
-            <a:pPr marL="457200" indent="-457200">
-              <a:buFont typeface="Wingdings" panose="05000000000000000000" pitchFamily="2" charset="2"/>
-              <a:buChar char="ü"/>
-            </a:pPr>
-            <a:r>
-              <a:rPr lang="en-US" dirty="0"/>
-              <a:t>The main activities of users is to browse through the products and buying it.</a:t>
-            </a:r>
-          </a:p>
-          <a:p>
-            <a:pPr marL="457200" indent="-457200">
-              <a:buFont typeface="Wingdings" panose="05000000000000000000" pitchFamily="2" charset="2"/>
-              <a:buChar char="ü"/>
-            </a:pPr>
-            <a:r>
-              <a:rPr lang="en-US" dirty="0"/>
-              <a:t>In-order for the user to do those activities it needs some relationship called as Mapping with some other Modules.</a:t>
-            </a:r>
-          </a:p>
-          <a:p>
-            <a:pPr marL="457200" indent="-457200">
-              <a:buFont typeface="Wingdings" panose="05000000000000000000" pitchFamily="2" charset="2"/>
-              <a:buChar char="ü"/>
-            </a:pPr>
-            <a:r>
-              <a:rPr lang="en-US" dirty="0"/>
-              <a:t>So the modules which the User Module needs are User Registration and Login Info,</a:t>
-            </a:r>
-          </a:p>
-          <a:p>
-            <a:r>
-              <a:rPr lang="en-US" dirty="0"/>
-              <a:t>        Products Info(Dealer Module), access to add products to Cart.</a:t>
-            </a:r>
-          </a:p>
-        </p:txBody>
-      </p:sp>
-    </p:spTree>
-    <p:extLst>
-      <p:ext uri="{BB962C8B-B14F-4D97-AF65-F5344CB8AC3E}">
-        <p14:creationId xmlns:p14="http://schemas.microsoft.com/office/powerpoint/2010/main" val="3205110694"/>
-      </p:ext>
-    </p:extLst>
-  </p:cSld>
-  <p:clrMapOvr>
-    <a:masterClrMapping/>
-  </p:clrMapOvr>
-</p:sld>
-</file>
-
-<file path=ppt/slides/slide6.xml><?xml version="1.0" encoding="utf-8"?>
-<p:sld xmlns:a="http://schemas.openxmlformats.org/drawingml/2006/main" xmlns:r="http://schemas.openxmlformats.org/officeDocument/2006/relationships" xmlns:p="http://schemas.openxmlformats.org/presentationml/2006/main">
-  <p:cSld>
-    <p:spTree>
-      <p:nvGrpSpPr>
-        <p:cNvPr id="1" name=""/>
-        <p:cNvGrpSpPr/>
-        <p:nvPr/>
-      </p:nvGrpSpPr>
-      <p:grpSpPr>
-        <a:xfrm>
-          <a:off x="0" y="0"/>
-          <a:ext cx="0" cy="0"/>
-          <a:chOff x="0" y="0"/>
-          <a:chExt cx="0" cy="0"/>
-        </a:xfrm>
-      </p:grpSpPr>
-      <p:sp>
-        <p:nvSpPr>
-          <p:cNvPr id="2" name="Title 1">
-            <a:extLst>
-              <a:ext uri="{FF2B5EF4-FFF2-40B4-BE49-F238E27FC236}">
-                <a16:creationId xmlns:a16="http://schemas.microsoft.com/office/drawing/2014/main" id="{31CC6E6A-25A1-484B-B635-0D445D9B9FF8}"/>
-              </a:ext>
-            </a:extLst>
-          </p:cNvPr>
-          <p:cNvSpPr>
-            <a:spLocks noGrp="1"/>
-          </p:cNvSpPr>
-          <p:nvPr>
-            <p:ph type="title"/>
-          </p:nvPr>
-        </p:nvSpPr>
-        <p:spPr>
-          <a:xfrm>
-            <a:off x="97872" y="335651"/>
-            <a:ext cx="10972800" cy="759222"/>
-          </a:xfrm>
-        </p:spPr>
-        <p:txBody>
-          <a:bodyPr>
-            <a:normAutofit/>
-          </a:bodyPr>
-          <a:lstStyle/>
-          <a:p>
-            <a:r>
-              <a:rPr lang="en-US" sz="4000" dirty="0"/>
-              <a:t>Project Structure</a:t>
-            </a:r>
-          </a:p>
-        </p:txBody>
-      </p:sp>
-      <p:sp>
-        <p:nvSpPr>
-          <p:cNvPr id="3" name="Content Placeholder 2">
-            <a:extLst>
-              <a:ext uri="{FF2B5EF4-FFF2-40B4-BE49-F238E27FC236}">
-                <a16:creationId xmlns:a16="http://schemas.microsoft.com/office/drawing/2014/main" id="{39963BBB-AC9D-4550-9E74-BEEDF4F7385C}"/>
-              </a:ext>
-            </a:extLst>
-          </p:cNvPr>
-          <p:cNvSpPr>
-            <a:spLocks noGrp="1"/>
-          </p:cNvSpPr>
-          <p:nvPr>
-            <p:ph idx="1"/>
-          </p:nvPr>
-        </p:nvSpPr>
-        <p:spPr>
-          <a:xfrm>
-            <a:off x="609600" y="1300861"/>
-            <a:ext cx="10972800" cy="3071114"/>
-          </a:xfrm>
-        </p:spPr>
-        <p:txBody>
-          <a:bodyPr>
-            <a:normAutofit/>
-          </a:bodyPr>
-          <a:lstStyle/>
-          <a:p>
-            <a:pPr marL="342900" indent="-342900">
-              <a:buFont typeface="Wingdings" panose="05000000000000000000" pitchFamily="2" charset="2"/>
-              <a:buChar char="ü"/>
-            </a:pPr>
-            <a:r>
-              <a:rPr lang="en-US" dirty="0"/>
-              <a:t>Our Project Structure consists of Controller, Entities, Repository, Service, Service Implementation.</a:t>
-            </a:r>
-          </a:p>
-          <a:p>
-            <a:pPr marL="342900" indent="-342900">
-              <a:buFont typeface="Wingdings" panose="05000000000000000000" pitchFamily="2" charset="2"/>
-              <a:buChar char="ü"/>
-            </a:pPr>
-            <a:r>
-              <a:rPr lang="en-US" dirty="0"/>
-              <a:t>Each Structure is used for getting info, user case activities etc.</a:t>
-            </a:r>
-          </a:p>
-          <a:p>
-            <a:pPr marL="342900" indent="-342900">
-              <a:buFont typeface="Wingdings" panose="05000000000000000000" pitchFamily="2" charset="2"/>
-              <a:buChar char="ü"/>
-            </a:pPr>
-            <a:r>
-              <a:rPr lang="en-US" dirty="0"/>
-              <a:t>The Main Class is Autogenerated by Spring-Boot, so its not necessary to create a Main Class.</a:t>
-            </a:r>
-          </a:p>
-          <a:p>
-            <a:pPr marL="342900" indent="-342900">
-              <a:buFont typeface="Wingdings" panose="05000000000000000000" pitchFamily="2" charset="2"/>
-              <a:buChar char="ü"/>
-            </a:pPr>
-            <a:r>
-              <a:rPr lang="en-US" dirty="0"/>
-              <a:t>Application Properties must be used to connect with MySQL, </a:t>
-            </a:r>
-          </a:p>
-          <a:p>
-            <a:pPr marL="342900" indent="-342900">
-              <a:buFont typeface="Wingdings" panose="05000000000000000000" pitchFamily="2" charset="2"/>
-              <a:buChar char="ü"/>
-            </a:pPr>
-            <a:r>
-              <a:rPr lang="en-US" dirty="0"/>
-              <a:t>and to give other properties.</a:t>
-            </a:r>
-          </a:p>
-        </p:txBody>
-      </p:sp>
-      <p:pic>
-        <p:nvPicPr>
-          <p:cNvPr id="5" name="Picture 4" descr="Graphical user interface, text, application&#10;&#10;Description automatically generated">
-            <a:extLst>
-              <a:ext uri="{FF2B5EF4-FFF2-40B4-BE49-F238E27FC236}">
-                <a16:creationId xmlns:a16="http://schemas.microsoft.com/office/drawing/2014/main" id="{490EB772-A89F-40CE-9E89-732330D1724B}"/>
-              </a:ext>
-            </a:extLst>
-          </p:cNvPr>
-          <p:cNvPicPr>
-            <a:picLocks noChangeAspect="1"/>
-          </p:cNvPicPr>
-          <p:nvPr/>
-        </p:nvPicPr>
-        <p:blipFill>
-          <a:blip r:embed="rId2">
-            <a:extLst>
-              <a:ext uri="{28A0092B-C50C-407E-A947-70E740481C1C}">
-                <a14:useLocalDpi xmlns:a14="http://schemas.microsoft.com/office/drawing/2010/main" val="0"/>
-              </a:ext>
-            </a:extLst>
-          </a:blip>
-          <a:stretch>
-            <a:fillRect/>
-          </a:stretch>
-        </p:blipFill>
-        <p:spPr>
-          <a:xfrm>
-            <a:off x="8696325" y="3080502"/>
-            <a:ext cx="3200400" cy="3513289"/>
-          </a:xfrm>
-          <a:prstGeom prst="rect">
-            <a:avLst/>
-          </a:prstGeom>
-        </p:spPr>
-      </p:pic>
-      <p:pic>
-        <p:nvPicPr>
-          <p:cNvPr id="7" name="Picture 6" descr="Graphical user interface, application, Word&#10;&#10;Description automatically generated">
-            <a:extLst>
-              <a:ext uri="{FF2B5EF4-FFF2-40B4-BE49-F238E27FC236}">
-                <a16:creationId xmlns:a16="http://schemas.microsoft.com/office/drawing/2014/main" id="{B51A37D5-8880-4629-BFD6-CE0EA7373D20}"/>
-              </a:ext>
-            </a:extLst>
-          </p:cNvPr>
-          <p:cNvPicPr>
-            <a:picLocks noChangeAspect="1"/>
-          </p:cNvPicPr>
-          <p:nvPr/>
-        </p:nvPicPr>
-        <p:blipFill>
-          <a:blip r:embed="rId3">
-            <a:extLst>
-              <a:ext uri="{28A0092B-C50C-407E-A947-70E740481C1C}">
-                <a14:useLocalDpi xmlns:a14="http://schemas.microsoft.com/office/drawing/2010/main" val="0"/>
-              </a:ext>
-            </a:extLst>
-          </a:blip>
-          <a:stretch>
-            <a:fillRect/>
-          </a:stretch>
-        </p:blipFill>
-        <p:spPr>
-          <a:xfrm>
-            <a:off x="547015" y="4371975"/>
-            <a:ext cx="7017444" cy="2038350"/>
-          </a:xfrm>
-          <a:prstGeom prst="rect">
-            <a:avLst/>
-          </a:prstGeom>
-        </p:spPr>
-      </p:pic>
-    </p:spTree>
-    <p:extLst>
-      <p:ext uri="{BB962C8B-B14F-4D97-AF65-F5344CB8AC3E}">
-        <p14:creationId xmlns:p14="http://schemas.microsoft.com/office/powerpoint/2010/main" val="3999438332"/>
-      </p:ext>
-    </p:extLst>
-  </p:cSld>
-  <p:clrMapOvr>
-    <a:masterClrMapping/>
-  </p:clrMapOvr>
-</p:sld>
-</file>
-
-<file path=ppt/slides/slide7.xml><?xml version="1.0" encoding="utf-8"?>
-<p:sld xmlns:a="http://schemas.openxmlformats.org/drawingml/2006/main" xmlns:r="http://schemas.openxmlformats.org/officeDocument/2006/relationships" xmlns:p="http://schemas.openxmlformats.org/presentationml/2006/main">
-  <p:cSld>
-    <p:spTree>
-      <p:nvGrpSpPr>
-        <p:cNvPr id="1" name=""/>
-        <p:cNvGrpSpPr/>
-        <p:nvPr/>
-      </p:nvGrpSpPr>
-      <p:grpSpPr>
-        <a:xfrm>
-          <a:off x="0" y="0"/>
-          <a:ext cx="0" cy="0"/>
-          <a:chOff x="0" y="0"/>
-          <a:chExt cx="0" cy="0"/>
-        </a:xfrm>
-      </p:grpSpPr>
-      <p:sp>
-        <p:nvSpPr>
-          <p:cNvPr id="2" name="Title 1">
-            <a:extLst>
-              <a:ext uri="{FF2B5EF4-FFF2-40B4-BE49-F238E27FC236}">
-                <a16:creationId xmlns:a16="http://schemas.microsoft.com/office/drawing/2014/main" id="{323C22F6-B3ED-4528-97F5-AE842502AF4F}"/>
-              </a:ext>
-            </a:extLst>
-          </p:cNvPr>
-          <p:cNvSpPr>
-            <a:spLocks noGrp="1"/>
-          </p:cNvSpPr>
-          <p:nvPr>
-            <p:ph type="title"/>
-          </p:nvPr>
-        </p:nvSpPr>
-        <p:spPr>
-          <a:xfrm>
-            <a:off x="441820" y="528506"/>
-            <a:ext cx="10972800" cy="633387"/>
-          </a:xfrm>
-        </p:spPr>
-        <p:txBody>
-          <a:bodyPr>
-            <a:normAutofit fontScale="90000"/>
-          </a:bodyPr>
-          <a:lstStyle/>
-          <a:p>
-            <a:r>
-              <a:rPr lang="en-US" sz="4000" dirty="0"/>
-              <a:t>Annotations:</a:t>
-            </a:r>
-          </a:p>
-        </p:txBody>
-      </p:sp>
-      <p:sp>
-        <p:nvSpPr>
-          <p:cNvPr id="3" name="Content Placeholder 2">
-            <a:extLst>
-              <a:ext uri="{FF2B5EF4-FFF2-40B4-BE49-F238E27FC236}">
-                <a16:creationId xmlns:a16="http://schemas.microsoft.com/office/drawing/2014/main" id="{94E03E7E-0E67-4624-AF4B-2E84335651D3}"/>
-              </a:ext>
-            </a:extLst>
-          </p:cNvPr>
-          <p:cNvSpPr>
-            <a:spLocks noGrp="1"/>
-          </p:cNvSpPr>
-          <p:nvPr>
-            <p:ph idx="1"/>
-          </p:nvPr>
-        </p:nvSpPr>
-        <p:spPr>
-          <a:xfrm>
-            <a:off x="609600" y="1342806"/>
-            <a:ext cx="10972800" cy="980944"/>
-          </a:xfrm>
-        </p:spPr>
-        <p:txBody>
-          <a:bodyPr/>
-          <a:lstStyle/>
-          <a:p>
-            <a:pPr marL="342900" indent="-342900">
-              <a:buFont typeface="Wingdings" panose="05000000000000000000" pitchFamily="2" charset="2"/>
-              <a:buChar char="ü"/>
-            </a:pPr>
-            <a:r>
-              <a:rPr lang="en-US" dirty="0"/>
-              <a:t>In Spring-Boot project many annotations will be used those are from spring packages.</a:t>
-            </a:r>
-          </a:p>
-          <a:p>
-            <a:pPr marL="342900" indent="-342900">
-              <a:buFont typeface="Wingdings" panose="05000000000000000000" pitchFamily="2" charset="2"/>
-              <a:buChar char="ü"/>
-            </a:pPr>
-            <a:r>
-              <a:rPr lang="en-US" dirty="0"/>
-              <a:t>Annotations uses in this project are,</a:t>
-            </a:r>
-          </a:p>
-        </p:txBody>
-      </p:sp>
-      <p:sp>
-        <p:nvSpPr>
-          <p:cNvPr id="4" name="TextBox 3">
-            <a:extLst>
-              <a:ext uri="{FF2B5EF4-FFF2-40B4-BE49-F238E27FC236}">
-                <a16:creationId xmlns:a16="http://schemas.microsoft.com/office/drawing/2014/main" id="{59702903-28AD-4FAB-92DB-06084209F054}"/>
-              </a:ext>
-            </a:extLst>
-          </p:cNvPr>
-          <p:cNvSpPr txBox="1"/>
-          <p:nvPr/>
-        </p:nvSpPr>
-        <p:spPr>
-          <a:xfrm>
-            <a:off x="2063692" y="2206305"/>
-            <a:ext cx="6182686" cy="3416320"/>
-          </a:xfrm>
-          <a:prstGeom prst="rect">
-            <a:avLst/>
-          </a:prstGeom>
-          <a:noFill/>
-        </p:spPr>
-        <p:txBody>
-          <a:bodyPr wrap="square" rtlCol="0">
-            <a:spAutoFit/>
-          </a:bodyPr>
-          <a:lstStyle/>
-          <a:p>
-            <a:pPr marL="285750" indent="-285750">
-              <a:buFont typeface="Courier New" panose="02070309020205020404" pitchFamily="49" charset="0"/>
-              <a:buChar char="o"/>
-            </a:pPr>
-            <a:r>
-              <a:rPr lang="en-US" dirty="0"/>
-              <a:t>@Entity</a:t>
-            </a:r>
-          </a:p>
-          <a:p>
-            <a:pPr marL="285750" indent="-285750">
-              <a:buFont typeface="Courier New" panose="02070309020205020404" pitchFamily="49" charset="0"/>
-              <a:buChar char="o"/>
-            </a:pPr>
-            <a:r>
-              <a:rPr lang="en-US" dirty="0"/>
-              <a:t>@Table</a:t>
-            </a:r>
-          </a:p>
-          <a:p>
-            <a:pPr marL="285750" indent="-285750">
-              <a:buFont typeface="Courier New" panose="02070309020205020404" pitchFamily="49" charset="0"/>
-              <a:buChar char="o"/>
-            </a:pPr>
-            <a:r>
-              <a:rPr lang="en-US" dirty="0"/>
-              <a:t>@Id</a:t>
-            </a:r>
-          </a:p>
-          <a:p>
-            <a:pPr marL="285750" indent="-285750">
-              <a:buFont typeface="Courier New" panose="02070309020205020404" pitchFamily="49" charset="0"/>
-              <a:buChar char="o"/>
-            </a:pPr>
-            <a:r>
-              <a:rPr lang="en-US" dirty="0"/>
-              <a:t>@Column</a:t>
-            </a:r>
-          </a:p>
-          <a:p>
-            <a:pPr marL="285750" indent="-285750">
-              <a:buFont typeface="Courier New" panose="02070309020205020404" pitchFamily="49" charset="0"/>
-              <a:buChar char="o"/>
-            </a:pPr>
-            <a:r>
-              <a:rPr lang="en-US" dirty="0"/>
-              <a:t>@GeneratedValue</a:t>
-            </a:r>
-          </a:p>
-          <a:p>
-            <a:pPr marL="285750" indent="-285750">
-              <a:buFont typeface="Courier New" panose="02070309020205020404" pitchFamily="49" charset="0"/>
-              <a:buChar char="o"/>
-            </a:pPr>
-            <a:r>
-              <a:rPr lang="en-US" dirty="0"/>
-              <a:t>@OnetoOne, OnetoMany, ManytoOne, ManytoMany</a:t>
-            </a:r>
-          </a:p>
-          <a:p>
-            <a:pPr marL="285750" indent="-285750">
-              <a:buFont typeface="Courier New" panose="02070309020205020404" pitchFamily="49" charset="0"/>
-              <a:buChar char="o"/>
-            </a:pPr>
-            <a:r>
-              <a:rPr lang="en-US" dirty="0"/>
-              <a:t>@JoinColumn, JoinTable</a:t>
-            </a:r>
-          </a:p>
-          <a:p>
-            <a:pPr marL="285750" indent="-285750">
-              <a:buFont typeface="Courier New" panose="02070309020205020404" pitchFamily="49" charset="0"/>
-              <a:buChar char="o"/>
-            </a:pPr>
-            <a:r>
-              <a:rPr lang="en-US" dirty="0"/>
-              <a:t>@Repository</a:t>
-            </a:r>
-          </a:p>
-          <a:p>
-            <a:pPr marL="285750" indent="-285750">
-              <a:buFont typeface="Courier New" panose="02070309020205020404" pitchFamily="49" charset="0"/>
-              <a:buChar char="o"/>
-            </a:pPr>
-            <a:r>
-              <a:rPr lang="en-US" dirty="0"/>
-              <a:t>@Service</a:t>
-            </a:r>
-          </a:p>
-          <a:p>
-            <a:pPr marL="285750" indent="-285750">
-              <a:buFont typeface="Courier New" panose="02070309020205020404" pitchFamily="49" charset="0"/>
-              <a:buChar char="o"/>
-            </a:pPr>
-            <a:r>
-              <a:rPr lang="en-US" dirty="0"/>
-              <a:t>@AutoWired</a:t>
-            </a:r>
-          </a:p>
-          <a:p>
-            <a:pPr marL="285750" indent="-285750">
-              <a:buFont typeface="Courier New" panose="02070309020205020404" pitchFamily="49" charset="0"/>
-              <a:buChar char="o"/>
-            </a:pPr>
-            <a:r>
-              <a:rPr lang="en-US" dirty="0"/>
-              <a:t>@RestController</a:t>
-            </a:r>
-          </a:p>
-          <a:p>
-            <a:pPr marL="285750" indent="-285750">
-              <a:buFont typeface="Courier New" panose="02070309020205020404" pitchFamily="49" charset="0"/>
-              <a:buChar char="o"/>
-            </a:pPr>
-            <a:r>
-              <a:rPr lang="en-US" dirty="0"/>
-              <a:t>@PostMapping, GetMapping, DeleteMapping, etc.</a:t>
-            </a:r>
-          </a:p>
-        </p:txBody>
-      </p:sp>
-    </p:spTree>
-    <p:extLst>
-      <p:ext uri="{BB962C8B-B14F-4D97-AF65-F5344CB8AC3E}">
-        <p14:creationId xmlns:p14="http://schemas.microsoft.com/office/powerpoint/2010/main" val="186583678"/>
-      </p:ext>
-    </p:extLst>
-  </p:cSld>
-  <p:clrMapOvr>
-    <a:masterClrMapping/>
-  </p:clrMapOvr>
-</p:sld>
-</file>
-
-<file path=ppt/slides/slide8.xml><?xml version="1.0" encoding="utf-8"?>
-<p:sld xmlns:a="http://schemas.openxmlformats.org/drawingml/2006/main" xmlns:r="http://schemas.openxmlformats.org/officeDocument/2006/relationships" xmlns:p="http://schemas.openxmlformats.org/presentationml/2006/main">
-  <p:cSld>
-    <p:spTree>
-      <p:nvGrpSpPr>
-        <p:cNvPr id="1" name=""/>
-        <p:cNvGrpSpPr/>
-        <p:nvPr/>
-      </p:nvGrpSpPr>
-      <p:grpSpPr>
-        <a:xfrm>
-          <a:off x="0" y="0"/>
-          <a:ext cx="0" cy="0"/>
-          <a:chOff x="0" y="0"/>
-          <a:chExt cx="0" cy="0"/>
-        </a:xfrm>
-      </p:grpSpPr>
-      <p:sp>
-        <p:nvSpPr>
-          <p:cNvPr id="2" name="Title 1">
-            <a:extLst>
-              <a:ext uri="{FF2B5EF4-FFF2-40B4-BE49-F238E27FC236}">
-                <a16:creationId xmlns:a16="http://schemas.microsoft.com/office/drawing/2014/main" id="{C7EB9ABD-0A0C-4E62-8A56-361666E787E5}"/>
-              </a:ext>
-            </a:extLst>
-          </p:cNvPr>
-          <p:cNvSpPr>
-            <a:spLocks noGrp="1"/>
-          </p:cNvSpPr>
-          <p:nvPr>
-            <p:ph type="title"/>
-          </p:nvPr>
-        </p:nvSpPr>
-        <p:spPr>
-          <a:xfrm>
-            <a:off x="609600" y="715262"/>
-            <a:ext cx="10972800" cy="683721"/>
-          </a:xfrm>
-        </p:spPr>
-        <p:txBody>
-          <a:bodyPr>
-            <a:normAutofit fontScale="90000"/>
-          </a:bodyPr>
-          <a:lstStyle/>
-          <a:p>
-            <a:r>
-              <a:rPr lang="en-US" sz="4000" dirty="0"/>
-              <a:t>UseCase:</a:t>
-            </a:r>
-          </a:p>
-        </p:txBody>
-      </p:sp>
-      <p:pic>
-        <p:nvPicPr>
-          <p:cNvPr id="4" name="Content Placeholder 3">
-            <a:extLst>
-              <a:ext uri="{FF2B5EF4-FFF2-40B4-BE49-F238E27FC236}">
-                <a16:creationId xmlns:a16="http://schemas.microsoft.com/office/drawing/2014/main" id="{AF3D7FE7-F412-49FC-A414-15EBFDD79D6C}"/>
-              </a:ext>
-            </a:extLst>
-          </p:cNvPr>
-          <p:cNvPicPr>
-            <a:picLocks noGrp="1" noChangeAspect="1"/>
-          </p:cNvPicPr>
-          <p:nvPr>
-            <p:ph idx="1"/>
-          </p:nvPr>
-        </p:nvPicPr>
-        <p:blipFill>
-          <a:blip r:embed="rId2"/>
-          <a:stretch>
-            <a:fillRect/>
-          </a:stretch>
-        </p:blipFill>
-        <p:spPr>
-          <a:xfrm>
-            <a:off x="1409699" y="1398982"/>
-            <a:ext cx="7776245" cy="5184163"/>
-          </a:xfrm>
-          <a:prstGeom prst="rect">
-            <a:avLst/>
-          </a:prstGeom>
-        </p:spPr>
-      </p:pic>
-    </p:spTree>
-    <p:extLst>
-      <p:ext uri="{BB962C8B-B14F-4D97-AF65-F5344CB8AC3E}">
-        <p14:creationId xmlns:p14="http://schemas.microsoft.com/office/powerpoint/2010/main" val="2831198387"/>
-      </p:ext>
-    </p:extLst>
-  </p:cSld>
-  <p:clrMapOvr>
-    <a:masterClrMapping/>
-  </p:clrMapOvr>
-</p:sld>
-</file>
-
-<file path=ppt/slides/slide9.xml><?xml version="1.0" encoding="utf-8"?>
+<file path=ppt/slides/slide11.xml><?xml version="1.0" encoding="utf-8"?>
 <p:sld xmlns:a="http://schemas.openxmlformats.org/drawingml/2006/main" xmlns:r="http://schemas.openxmlformats.org/officeDocument/2006/relationships" xmlns:p="http://schemas.openxmlformats.org/presentationml/2006/main">
   <p:cSld>
     <p:bg>
@@ -6269,7 +5160,7 @@
           <a:p>
             <a:r>
               <a:rPr lang="en-US" dirty="0"/>
-              <a:t>GitHub Repo : </a:t>
+              <a:t>GitHub Repo :</a:t>
             </a:r>
             <a:r>
               <a:rPr lang="en-US" dirty="0">
@@ -6286,15 +5177,35 @@
                   </a:extLst>
                 </a:hlinkClick>
               </a:rPr>
-              <a:t>https://github.com/Donald189/Back-end-Project.git</a:t>
-            </a:r>
-            <a:endParaRPr lang="en-US" dirty="0">
-              <a:solidFill>
-                <a:schemeClr val="accent6">
-                  <a:lumMod val="50000"/>
-                </a:schemeClr>
-              </a:solidFill>
-            </a:endParaRPr>
+              <a:t>https://github.com/Donald189/online-</a:t>
+            </a:r>
+            <a:r>
+              <a:rPr lang="en-US" dirty="0" err="1">
+                <a:solidFill>
+                  <a:schemeClr val="accent6">
+                    <a:lumMod val="50000"/>
+                  </a:schemeClr>
+                </a:solidFill>
+                <a:hlinkClick r:id="rId3">
+                  <a:extLst>
+                    <a:ext uri="{A12FA001-AC4F-418D-AE19-62706E023703}">
+                      <ahyp:hlinkClr xmlns:ahyp="http://schemas.microsoft.com/office/drawing/2018/hyperlinkcolor" val="tx"/>
+                    </a:ext>
+                  </a:extLst>
+                </a:hlinkClick>
+              </a:rPr>
+              <a:t>Shopping.git</a:t>
+            </a:r>
+            <a:r>
+              <a:rPr lang="en-US" dirty="0">
+                <a:solidFill>
+                  <a:schemeClr val="accent6">
+                    <a:lumMod val="50000"/>
+                  </a:schemeClr>
+                </a:solidFill>
+              </a:rPr>
+              <a:t> </a:t>
+            </a:r>
           </a:p>
         </p:txBody>
       </p:sp>
@@ -6302,6 +5213,2517 @@
     <p:extLst>
       <p:ext uri="{BB962C8B-B14F-4D97-AF65-F5344CB8AC3E}">
         <p14:creationId xmlns:p14="http://schemas.microsoft.com/office/powerpoint/2010/main" val="2915999414"/>
+      </p:ext>
+    </p:extLst>
+  </p:cSld>
+  <p:clrMapOvr>
+    <a:masterClrMapping/>
+  </p:clrMapOvr>
+</p:sld>
+</file>
+
+<file path=ppt/slides/slide2.xml><?xml version="1.0" encoding="utf-8"?>
+<p:sld xmlns:a="http://schemas.openxmlformats.org/drawingml/2006/main" xmlns:r="http://schemas.openxmlformats.org/officeDocument/2006/relationships" xmlns:p="http://schemas.openxmlformats.org/presentationml/2006/main">
+  <p:cSld>
+    <p:spTree>
+      <p:nvGrpSpPr>
+        <p:cNvPr id="1" name=""/>
+        <p:cNvGrpSpPr/>
+        <p:nvPr/>
+      </p:nvGrpSpPr>
+      <p:grpSpPr>
+        <a:xfrm>
+          <a:off x="0" y="0"/>
+          <a:ext cx="0" cy="0"/>
+          <a:chOff x="0" y="0"/>
+          <a:chExt cx="0" cy="0"/>
+        </a:xfrm>
+      </p:grpSpPr>
+      <p:sp>
+        <p:nvSpPr>
+          <p:cNvPr id="2" name="Title 1">
+            <a:extLst>
+              <a:ext uri="{FF2B5EF4-FFF2-40B4-BE49-F238E27FC236}">
+                <a16:creationId xmlns:a16="http://schemas.microsoft.com/office/drawing/2014/main" id="{F89B0DB2-FAE0-4723-83F7-B3FBBE3125CB}"/>
+              </a:ext>
+            </a:extLst>
+          </p:cNvPr>
+          <p:cNvSpPr>
+            <a:spLocks noGrp="1"/>
+          </p:cNvSpPr>
+          <p:nvPr>
+            <p:ph type="title"/>
+          </p:nvPr>
+        </p:nvSpPr>
+        <p:spPr>
+          <a:xfrm>
+            <a:off x="114650" y="830510"/>
+            <a:ext cx="10972800" cy="692110"/>
+          </a:xfrm>
+        </p:spPr>
+        <p:txBody>
+          <a:bodyPr>
+            <a:normAutofit fontScale="90000"/>
+          </a:bodyPr>
+          <a:lstStyle/>
+          <a:p>
+            <a:r>
+              <a:rPr lang="en-US" sz="4000" dirty="0"/>
+              <a:t>Spring-Boot</a:t>
+            </a:r>
+          </a:p>
+        </p:txBody>
+      </p:sp>
+      <p:sp>
+        <p:nvSpPr>
+          <p:cNvPr id="3" name="Content Placeholder 2">
+            <a:extLst>
+              <a:ext uri="{FF2B5EF4-FFF2-40B4-BE49-F238E27FC236}">
+                <a16:creationId xmlns:a16="http://schemas.microsoft.com/office/drawing/2014/main" id="{EB783DF8-A823-4BEC-BAA6-A6C1BB395113}"/>
+              </a:ext>
+            </a:extLst>
+          </p:cNvPr>
+          <p:cNvSpPr>
+            <a:spLocks noGrp="1"/>
+          </p:cNvSpPr>
+          <p:nvPr>
+            <p:ph idx="1"/>
+          </p:nvPr>
+        </p:nvSpPr>
+        <p:spPr>
+          <a:xfrm>
+            <a:off x="500544" y="1837755"/>
+            <a:ext cx="10972800" cy="5821393"/>
+          </a:xfrm>
+        </p:spPr>
+        <p:txBody>
+          <a:bodyPr/>
+          <a:lstStyle/>
+          <a:p>
+            <a:pPr marL="342900" indent="-342900">
+              <a:buFont typeface="Wingdings" panose="05000000000000000000" pitchFamily="2" charset="2"/>
+              <a:buChar char="ü"/>
+            </a:pPr>
+            <a:r>
+              <a:rPr lang="en-US" dirty="0"/>
+              <a:t>Spring Boot makes it easy to create stand-alone, production-grade Spring based Applications that you can "just run".</a:t>
+            </a:r>
+          </a:p>
+          <a:p>
+            <a:pPr marL="342900" indent="-342900">
+              <a:buFont typeface="Wingdings" panose="05000000000000000000" pitchFamily="2" charset="2"/>
+              <a:buChar char="ü"/>
+            </a:pPr>
+            <a:r>
+              <a:rPr lang="en-US" dirty="0"/>
+              <a:t>We take an opinionated view of the Spring platform and third-party libraries so you can get started with minimum fuss. Most Spring Boot applications need minimal Spring configuration.</a:t>
+            </a:r>
+          </a:p>
+          <a:p>
+            <a:r>
+              <a:rPr lang="en-US" sz="2800" dirty="0"/>
+              <a:t>Uses:</a:t>
+            </a:r>
+          </a:p>
+          <a:p>
+            <a:pPr marL="457200" indent="-457200">
+              <a:buFont typeface="Wingdings" panose="05000000000000000000" pitchFamily="2" charset="2"/>
+              <a:buChar char="ü"/>
+            </a:pPr>
+            <a:r>
+              <a:rPr lang="en-US" dirty="0"/>
+              <a:t>Spring Boot helps developers create applications that just run. Specifically, it lets you create standalone applications that run on their own, without relying on an external web server, by embedding a web server such as Tomcat into your app during the initialization process</a:t>
+            </a:r>
+            <a:endParaRPr lang="en-US" sz="2800" dirty="0"/>
+          </a:p>
+        </p:txBody>
+      </p:sp>
+    </p:spTree>
+    <p:extLst>
+      <p:ext uri="{BB962C8B-B14F-4D97-AF65-F5344CB8AC3E}">
+        <p14:creationId xmlns:p14="http://schemas.microsoft.com/office/powerpoint/2010/main" val="2891659495"/>
+      </p:ext>
+    </p:extLst>
+  </p:cSld>
+  <p:clrMapOvr>
+    <a:masterClrMapping/>
+  </p:clrMapOvr>
+</p:sld>
+</file>
+
+<file path=ppt/slides/slide3.xml><?xml version="1.0" encoding="utf-8"?>
+<p:sld xmlns:a="http://schemas.openxmlformats.org/drawingml/2006/main" xmlns:r="http://schemas.openxmlformats.org/officeDocument/2006/relationships" xmlns:p="http://schemas.openxmlformats.org/presentationml/2006/main">
+  <p:cSld>
+    <p:spTree>
+      <p:nvGrpSpPr>
+        <p:cNvPr id="1" name=""/>
+        <p:cNvGrpSpPr/>
+        <p:nvPr/>
+      </p:nvGrpSpPr>
+      <p:grpSpPr>
+        <a:xfrm>
+          <a:off x="0" y="0"/>
+          <a:ext cx="0" cy="0"/>
+          <a:chOff x="0" y="0"/>
+          <a:chExt cx="0" cy="0"/>
+        </a:xfrm>
+      </p:grpSpPr>
+      <p:sp>
+        <p:nvSpPr>
+          <p:cNvPr id="2" name="Title 1">
+            <a:extLst>
+              <a:ext uri="{FF2B5EF4-FFF2-40B4-BE49-F238E27FC236}">
+                <a16:creationId xmlns:a16="http://schemas.microsoft.com/office/drawing/2014/main" id="{16216C69-AAC8-42AF-9328-36B4EB7F3541}"/>
+              </a:ext>
+            </a:extLst>
+          </p:cNvPr>
+          <p:cNvSpPr>
+            <a:spLocks noGrp="1"/>
+          </p:cNvSpPr>
+          <p:nvPr>
+            <p:ph type="title"/>
+          </p:nvPr>
+        </p:nvSpPr>
+        <p:spPr>
+          <a:xfrm>
+            <a:off x="0" y="285226"/>
+            <a:ext cx="10972800" cy="675332"/>
+          </a:xfrm>
+        </p:spPr>
+        <p:txBody>
+          <a:bodyPr>
+            <a:normAutofit fontScale="90000"/>
+          </a:bodyPr>
+          <a:lstStyle/>
+          <a:p>
+            <a:r>
+              <a:rPr lang="en-US" sz="4000" dirty="0"/>
+              <a:t>Spring-Boot Creation:</a:t>
+            </a:r>
+          </a:p>
+        </p:txBody>
+      </p:sp>
+      <p:sp>
+        <p:nvSpPr>
+          <p:cNvPr id="3" name="Content Placeholder 2">
+            <a:extLst>
+              <a:ext uri="{FF2B5EF4-FFF2-40B4-BE49-F238E27FC236}">
+                <a16:creationId xmlns:a16="http://schemas.microsoft.com/office/drawing/2014/main" id="{B6FA2692-2E7C-471E-877B-B8BBB4749F6F}"/>
+              </a:ext>
+            </a:extLst>
+          </p:cNvPr>
+          <p:cNvSpPr>
+            <a:spLocks noGrp="1"/>
+          </p:cNvSpPr>
+          <p:nvPr>
+            <p:ph idx="1"/>
+          </p:nvPr>
+        </p:nvSpPr>
+        <p:spPr>
+          <a:xfrm>
+            <a:off x="609600" y="1166636"/>
+            <a:ext cx="10972800" cy="5691363"/>
+          </a:xfrm>
+        </p:spPr>
+        <p:txBody>
+          <a:bodyPr/>
+          <a:lstStyle/>
+          <a:p>
+            <a:pPr marL="342900" indent="-342900">
+              <a:buFont typeface="Wingdings" panose="05000000000000000000" pitchFamily="2" charset="2"/>
+              <a:buChar char="ü"/>
+            </a:pPr>
+            <a:r>
+              <a:rPr lang="en-US" dirty="0"/>
+              <a:t>To Create a Spring-Boot project the system requirements are java ,maven and spring framework.</a:t>
+            </a:r>
+          </a:p>
+          <a:p>
+            <a:pPr marL="342900" indent="-342900">
+              <a:buFont typeface="Wingdings" panose="05000000000000000000" pitchFamily="2" charset="2"/>
+              <a:buChar char="ü"/>
+            </a:pPr>
+            <a:r>
+              <a:rPr lang="en-US" dirty="0"/>
+              <a:t>To create a Spring Boot Project in a simple way go to Spring-Initializer </a:t>
+            </a:r>
+            <a:r>
+              <a:rPr lang="en-US" dirty="0">
+                <a:hlinkClick r:id="rId2"/>
+              </a:rPr>
+              <a:t>https://start.spring.io/</a:t>
+            </a:r>
+            <a:r>
+              <a:rPr lang="en-US" dirty="0"/>
+              <a:t> in that Select the or add the necessary dependencies and give the appropriate Group , Name, Artifact Id etc.</a:t>
+            </a:r>
+          </a:p>
+          <a:p>
+            <a:pPr marL="342900" indent="-342900">
+              <a:buFont typeface="Wingdings" panose="05000000000000000000" pitchFamily="2" charset="2"/>
+              <a:buChar char="ü"/>
+            </a:pPr>
+            <a:r>
+              <a:rPr lang="en-US" dirty="0"/>
+              <a:t>Then click on Generate and it gives us a jar file which needs to be extracted and the extracted file should be imported into our workspace to work with it.</a:t>
+            </a:r>
+          </a:p>
+        </p:txBody>
+      </p:sp>
+      <p:pic>
+        <p:nvPicPr>
+          <p:cNvPr id="5" name="Picture 4">
+            <a:extLst>
+              <a:ext uri="{FF2B5EF4-FFF2-40B4-BE49-F238E27FC236}">
+                <a16:creationId xmlns:a16="http://schemas.microsoft.com/office/drawing/2014/main" id="{0BF16538-ADCD-4E79-AB11-12B9EE8F496F}"/>
+              </a:ext>
+            </a:extLst>
+          </p:cNvPr>
+          <p:cNvPicPr>
+            <a:picLocks noChangeAspect="1"/>
+          </p:cNvPicPr>
+          <p:nvPr/>
+        </p:nvPicPr>
+        <p:blipFill>
+          <a:blip r:embed="rId3">
+            <a:extLst>
+              <a:ext uri="{28A0092B-C50C-407E-A947-70E740481C1C}">
+                <a14:useLocalDpi xmlns:a14="http://schemas.microsoft.com/office/drawing/2010/main" val="0"/>
+              </a:ext>
+            </a:extLst>
+          </a:blip>
+          <a:stretch>
+            <a:fillRect/>
+          </a:stretch>
+        </p:blipFill>
+        <p:spPr>
+          <a:xfrm>
+            <a:off x="2290195" y="3766658"/>
+            <a:ext cx="7231310" cy="3007452"/>
+          </a:xfrm>
+          <a:prstGeom prst="rect">
+            <a:avLst/>
+          </a:prstGeom>
+        </p:spPr>
+      </p:pic>
+    </p:spTree>
+    <p:extLst>
+      <p:ext uri="{BB962C8B-B14F-4D97-AF65-F5344CB8AC3E}">
+        <p14:creationId xmlns:p14="http://schemas.microsoft.com/office/powerpoint/2010/main" val="2049234478"/>
+      </p:ext>
+    </p:extLst>
+  </p:cSld>
+  <p:clrMapOvr>
+    <a:masterClrMapping/>
+  </p:clrMapOvr>
+</p:sld>
+</file>
+
+<file path=ppt/slides/slide4.xml><?xml version="1.0" encoding="utf-8"?>
+<p:sld xmlns:a="http://schemas.openxmlformats.org/drawingml/2006/main" xmlns:r="http://schemas.openxmlformats.org/officeDocument/2006/relationships" xmlns:p="http://schemas.openxmlformats.org/presentationml/2006/main">
+  <p:cSld>
+    <p:spTree>
+      <p:nvGrpSpPr>
+        <p:cNvPr id="1" name=""/>
+        <p:cNvGrpSpPr/>
+        <p:nvPr/>
+      </p:nvGrpSpPr>
+      <p:grpSpPr>
+        <a:xfrm>
+          <a:off x="0" y="0"/>
+          <a:ext cx="0" cy="0"/>
+          <a:chOff x="0" y="0"/>
+          <a:chExt cx="0" cy="0"/>
+        </a:xfrm>
+      </p:grpSpPr>
+      <p:sp>
+        <p:nvSpPr>
+          <p:cNvPr id="2" name="Title 1">
+            <a:extLst>
+              <a:ext uri="{FF2B5EF4-FFF2-40B4-BE49-F238E27FC236}">
+                <a16:creationId xmlns:a16="http://schemas.microsoft.com/office/drawing/2014/main" id="{D4847B3C-DBCC-457A-979E-DE650980D29B}"/>
+              </a:ext>
+            </a:extLst>
+          </p:cNvPr>
+          <p:cNvSpPr>
+            <a:spLocks noGrp="1"/>
+          </p:cNvSpPr>
+          <p:nvPr>
+            <p:ph type="title"/>
+          </p:nvPr>
+        </p:nvSpPr>
+        <p:spPr>
+          <a:xfrm>
+            <a:off x="131428" y="201336"/>
+            <a:ext cx="10972800" cy="784389"/>
+          </a:xfrm>
+        </p:spPr>
+        <p:txBody>
+          <a:bodyPr>
+            <a:normAutofit/>
+          </a:bodyPr>
+          <a:lstStyle/>
+          <a:p>
+            <a:r>
+              <a:rPr lang="en-US" sz="4000" dirty="0"/>
+              <a:t>Introduction:</a:t>
+            </a:r>
+          </a:p>
+        </p:txBody>
+      </p:sp>
+      <p:sp>
+        <p:nvSpPr>
+          <p:cNvPr id="3" name="Content Placeholder 2">
+            <a:extLst>
+              <a:ext uri="{FF2B5EF4-FFF2-40B4-BE49-F238E27FC236}">
+                <a16:creationId xmlns:a16="http://schemas.microsoft.com/office/drawing/2014/main" id="{41B513D7-6E86-428D-BF12-050A6CF9C08D}"/>
+              </a:ext>
+            </a:extLst>
+          </p:cNvPr>
+          <p:cNvSpPr>
+            <a:spLocks noGrp="1"/>
+          </p:cNvSpPr>
+          <p:nvPr>
+            <p:ph idx="1"/>
+          </p:nvPr>
+        </p:nvSpPr>
+        <p:spPr>
+          <a:xfrm>
+            <a:off x="609600" y="985725"/>
+            <a:ext cx="10972800" cy="5775802"/>
+          </a:xfrm>
+        </p:spPr>
+        <p:txBody>
+          <a:bodyPr>
+            <a:normAutofit lnSpcReduction="10000"/>
+          </a:bodyPr>
+          <a:lstStyle/>
+          <a:p>
+            <a:pPr marL="342900" indent="-342900">
+              <a:buFont typeface="Wingdings" panose="05000000000000000000" pitchFamily="2" charset="2"/>
+              <a:buChar char="ü"/>
+            </a:pPr>
+            <a:r>
+              <a:rPr lang="en-US" dirty="0"/>
+              <a:t>Our Online Shopping Cart is developed using Spring-Boot with multiple modules in it.</a:t>
+            </a:r>
+          </a:p>
+          <a:p>
+            <a:pPr marL="342900" indent="-342900">
+              <a:buFont typeface="Wingdings" panose="05000000000000000000" pitchFamily="2" charset="2"/>
+              <a:buChar char="ü"/>
+            </a:pPr>
+            <a:r>
+              <a:rPr lang="en-US" dirty="0"/>
+              <a:t>Online Shopping Cart is used </a:t>
+            </a:r>
+            <a:r>
+              <a:rPr lang="en-US"/>
+              <a:t>to buy </a:t>
+            </a:r>
+            <a:r>
+              <a:rPr lang="en-US" dirty="0"/>
+              <a:t>Products online without the need of going to shop and buying it in person.</a:t>
+            </a:r>
+          </a:p>
+          <a:p>
+            <a:pPr marL="342900" indent="-342900">
+              <a:buFont typeface="Wingdings" panose="05000000000000000000" pitchFamily="2" charset="2"/>
+              <a:buChar char="ü"/>
+            </a:pPr>
+            <a:r>
+              <a:rPr lang="en-US" dirty="0"/>
+              <a:t>An Online Shopping consists of multiple number of Dealers and Buyers.</a:t>
+            </a:r>
+          </a:p>
+          <a:p>
+            <a:pPr marL="342900" indent="-342900">
+              <a:buFont typeface="Wingdings" panose="05000000000000000000" pitchFamily="2" charset="2"/>
+              <a:buChar char="ü"/>
+            </a:pPr>
+            <a:r>
+              <a:rPr lang="en-US" dirty="0"/>
+              <a:t>Products can be viewed by the users and if interested they can buy and pay via Online payment or cash on delivery.</a:t>
+            </a:r>
+          </a:p>
+          <a:p>
+            <a:pPr marL="342900" indent="-342900">
+              <a:buFont typeface="Wingdings" panose="05000000000000000000" pitchFamily="2" charset="2"/>
+              <a:buChar char="ü"/>
+            </a:pPr>
+            <a:r>
+              <a:rPr lang="en-US" dirty="0"/>
+              <a:t>In our Online Shopping Cart we have some modules to work with,</a:t>
+            </a:r>
+          </a:p>
+          <a:p>
+            <a:r>
+              <a:rPr lang="en-US" dirty="0"/>
+              <a:t>        They are,</a:t>
+            </a:r>
+          </a:p>
+          <a:p>
+            <a:r>
+              <a:rPr lang="en-US" dirty="0"/>
+              <a:t>                         </a:t>
+            </a:r>
+            <a:r>
+              <a:rPr lang="en-US" sz="1600" dirty="0"/>
+              <a:t>Login and Registration,</a:t>
+            </a:r>
+          </a:p>
+          <a:p>
+            <a:r>
+              <a:rPr lang="en-US" sz="1600" dirty="0"/>
+              <a:t>                               Admin,</a:t>
+            </a:r>
+          </a:p>
+          <a:p>
+            <a:r>
+              <a:rPr lang="en-US" sz="1600" dirty="0"/>
+              <a:t>                               User,</a:t>
+            </a:r>
+          </a:p>
+          <a:p>
+            <a:r>
+              <a:rPr lang="en-US" sz="1600" dirty="0"/>
+              <a:t>                               Dealer,</a:t>
+            </a:r>
+          </a:p>
+          <a:p>
+            <a:r>
+              <a:rPr lang="en-US" sz="1600" dirty="0"/>
+              <a:t>                               Cart,</a:t>
+            </a:r>
+          </a:p>
+          <a:p>
+            <a:r>
+              <a:rPr lang="en-US" sz="1600" dirty="0"/>
+              <a:t>                               Payment.</a:t>
+            </a:r>
+          </a:p>
+        </p:txBody>
+      </p:sp>
+    </p:spTree>
+    <p:extLst>
+      <p:ext uri="{BB962C8B-B14F-4D97-AF65-F5344CB8AC3E}">
+        <p14:creationId xmlns:p14="http://schemas.microsoft.com/office/powerpoint/2010/main" val="2621975618"/>
+      </p:ext>
+    </p:extLst>
+  </p:cSld>
+  <p:clrMapOvr>
+    <a:masterClrMapping/>
+  </p:clrMapOvr>
+</p:sld>
+</file>
+
+<file path=ppt/slides/slide5.xml><?xml version="1.0" encoding="utf-8"?>
+<p:sld xmlns:a="http://schemas.openxmlformats.org/drawingml/2006/main" xmlns:r="http://schemas.openxmlformats.org/officeDocument/2006/relationships" xmlns:p="http://schemas.openxmlformats.org/presentationml/2006/main">
+  <p:cSld>
+    <p:spTree>
+      <p:nvGrpSpPr>
+        <p:cNvPr id="1" name=""/>
+        <p:cNvGrpSpPr/>
+        <p:nvPr/>
+      </p:nvGrpSpPr>
+      <p:grpSpPr>
+        <a:xfrm>
+          <a:off x="0" y="0"/>
+          <a:ext cx="0" cy="0"/>
+          <a:chOff x="0" y="0"/>
+          <a:chExt cx="0" cy="0"/>
+        </a:xfrm>
+      </p:grpSpPr>
+      <p:sp>
+        <p:nvSpPr>
+          <p:cNvPr id="2" name="Title 1">
+            <a:extLst>
+              <a:ext uri="{FF2B5EF4-FFF2-40B4-BE49-F238E27FC236}">
+                <a16:creationId xmlns:a16="http://schemas.microsoft.com/office/drawing/2014/main" id="{397D209B-C485-4B18-9479-BD5D759E4786}"/>
+              </a:ext>
+            </a:extLst>
+          </p:cNvPr>
+          <p:cNvSpPr>
+            <a:spLocks noGrp="1"/>
+          </p:cNvSpPr>
+          <p:nvPr>
+            <p:ph type="title"/>
+          </p:nvPr>
+        </p:nvSpPr>
+        <p:spPr>
+          <a:xfrm>
+            <a:off x="257262" y="1023457"/>
+            <a:ext cx="10972800" cy="608220"/>
+          </a:xfrm>
+        </p:spPr>
+        <p:txBody>
+          <a:bodyPr>
+            <a:normAutofit fontScale="90000"/>
+          </a:bodyPr>
+          <a:lstStyle/>
+          <a:p>
+            <a:r>
+              <a:rPr lang="en-US" sz="4000" dirty="0"/>
+              <a:t>Module:</a:t>
+            </a:r>
+          </a:p>
+        </p:txBody>
+      </p:sp>
+      <p:sp>
+        <p:nvSpPr>
+          <p:cNvPr id="3" name="Content Placeholder 2">
+            <a:extLst>
+              <a:ext uri="{FF2B5EF4-FFF2-40B4-BE49-F238E27FC236}">
+                <a16:creationId xmlns:a16="http://schemas.microsoft.com/office/drawing/2014/main" id="{63F225AF-EC0E-4FCA-B1B9-91F696105D80}"/>
+              </a:ext>
+            </a:extLst>
+          </p:cNvPr>
+          <p:cNvSpPr>
+            <a:spLocks noGrp="1"/>
+          </p:cNvSpPr>
+          <p:nvPr>
+            <p:ph idx="1"/>
+          </p:nvPr>
+        </p:nvSpPr>
+        <p:spPr>
+          <a:xfrm>
+            <a:off x="827713" y="2017571"/>
+            <a:ext cx="10972800" cy="4036534"/>
+          </a:xfrm>
+        </p:spPr>
+        <p:txBody>
+          <a:bodyPr>
+            <a:normAutofit/>
+          </a:bodyPr>
+          <a:lstStyle/>
+          <a:p>
+            <a:r>
+              <a:rPr lang="en-US" sz="2800" dirty="0"/>
+              <a:t>User Module:</a:t>
+            </a:r>
+          </a:p>
+          <a:p>
+            <a:pPr marL="457200" indent="-457200">
+              <a:buFont typeface="Wingdings" panose="05000000000000000000" pitchFamily="2" charset="2"/>
+              <a:buChar char="ü"/>
+            </a:pPr>
+            <a:r>
+              <a:rPr lang="en-US" dirty="0"/>
+              <a:t>In this module we are going to surf through the working process of User.</a:t>
+            </a:r>
+          </a:p>
+          <a:p>
+            <a:pPr marL="457200" indent="-457200">
+              <a:buFont typeface="Wingdings" panose="05000000000000000000" pitchFamily="2" charset="2"/>
+              <a:buChar char="ü"/>
+            </a:pPr>
+            <a:r>
+              <a:rPr lang="en-US" dirty="0"/>
+              <a:t>The main activities of users is to browse through the products and buying it.</a:t>
+            </a:r>
+          </a:p>
+          <a:p>
+            <a:pPr marL="457200" indent="-457200">
+              <a:buFont typeface="Wingdings" panose="05000000000000000000" pitchFamily="2" charset="2"/>
+              <a:buChar char="ü"/>
+            </a:pPr>
+            <a:r>
+              <a:rPr lang="en-US" dirty="0"/>
+              <a:t>In-order for the user to do those activities it needs some relationship called as Mapping with some other Modules.</a:t>
+            </a:r>
+          </a:p>
+          <a:p>
+            <a:pPr marL="457200" indent="-457200">
+              <a:buFont typeface="Wingdings" panose="05000000000000000000" pitchFamily="2" charset="2"/>
+              <a:buChar char="ü"/>
+            </a:pPr>
+            <a:r>
+              <a:rPr lang="en-US" dirty="0"/>
+              <a:t>So the modules which the User Module needs are User Registration and Login Info,</a:t>
+            </a:r>
+          </a:p>
+          <a:p>
+            <a:r>
+              <a:rPr lang="en-US" dirty="0"/>
+              <a:t>        Products Info(Dealer Module), access to add products to Cart.</a:t>
+            </a:r>
+          </a:p>
+        </p:txBody>
+      </p:sp>
+    </p:spTree>
+    <p:extLst>
+      <p:ext uri="{BB962C8B-B14F-4D97-AF65-F5344CB8AC3E}">
+        <p14:creationId xmlns:p14="http://schemas.microsoft.com/office/powerpoint/2010/main" val="3205110694"/>
+      </p:ext>
+    </p:extLst>
+  </p:cSld>
+  <p:clrMapOvr>
+    <a:masterClrMapping/>
+  </p:clrMapOvr>
+</p:sld>
+</file>
+
+<file path=ppt/slides/slide6.xml><?xml version="1.0" encoding="utf-8"?>
+<p:sld xmlns:a="http://schemas.openxmlformats.org/drawingml/2006/main" xmlns:r="http://schemas.openxmlformats.org/officeDocument/2006/relationships" xmlns:p="http://schemas.openxmlformats.org/presentationml/2006/main">
+  <p:cSld>
+    <p:spTree>
+      <p:nvGrpSpPr>
+        <p:cNvPr id="1" name=""/>
+        <p:cNvGrpSpPr/>
+        <p:nvPr/>
+      </p:nvGrpSpPr>
+      <p:grpSpPr>
+        <a:xfrm>
+          <a:off x="0" y="0"/>
+          <a:ext cx="0" cy="0"/>
+          <a:chOff x="0" y="0"/>
+          <a:chExt cx="0" cy="0"/>
+        </a:xfrm>
+      </p:grpSpPr>
+      <p:sp>
+        <p:nvSpPr>
+          <p:cNvPr id="2" name="Title 1">
+            <a:extLst>
+              <a:ext uri="{FF2B5EF4-FFF2-40B4-BE49-F238E27FC236}">
+                <a16:creationId xmlns:a16="http://schemas.microsoft.com/office/drawing/2014/main" id="{31CC6E6A-25A1-484B-B635-0D445D9B9FF8}"/>
+              </a:ext>
+            </a:extLst>
+          </p:cNvPr>
+          <p:cNvSpPr>
+            <a:spLocks noGrp="1"/>
+          </p:cNvSpPr>
+          <p:nvPr>
+            <p:ph type="title"/>
+          </p:nvPr>
+        </p:nvSpPr>
+        <p:spPr>
+          <a:xfrm>
+            <a:off x="97872" y="335651"/>
+            <a:ext cx="10972800" cy="759222"/>
+          </a:xfrm>
+        </p:spPr>
+        <p:txBody>
+          <a:bodyPr>
+            <a:normAutofit/>
+          </a:bodyPr>
+          <a:lstStyle/>
+          <a:p>
+            <a:r>
+              <a:rPr lang="en-US" sz="4000" dirty="0"/>
+              <a:t>Project Structure:</a:t>
+            </a:r>
+          </a:p>
+        </p:txBody>
+      </p:sp>
+      <p:sp>
+        <p:nvSpPr>
+          <p:cNvPr id="3" name="Content Placeholder 2">
+            <a:extLst>
+              <a:ext uri="{FF2B5EF4-FFF2-40B4-BE49-F238E27FC236}">
+                <a16:creationId xmlns:a16="http://schemas.microsoft.com/office/drawing/2014/main" id="{39963BBB-AC9D-4550-9E74-BEEDF4F7385C}"/>
+              </a:ext>
+            </a:extLst>
+          </p:cNvPr>
+          <p:cNvSpPr>
+            <a:spLocks noGrp="1"/>
+          </p:cNvSpPr>
+          <p:nvPr>
+            <p:ph idx="1"/>
+          </p:nvPr>
+        </p:nvSpPr>
+        <p:spPr>
+          <a:xfrm>
+            <a:off x="609600" y="1300861"/>
+            <a:ext cx="10972800" cy="3071114"/>
+          </a:xfrm>
+        </p:spPr>
+        <p:txBody>
+          <a:bodyPr>
+            <a:normAutofit/>
+          </a:bodyPr>
+          <a:lstStyle/>
+          <a:p>
+            <a:pPr marL="342900" indent="-342900">
+              <a:buFont typeface="Wingdings" panose="05000000000000000000" pitchFamily="2" charset="2"/>
+              <a:buChar char="ü"/>
+            </a:pPr>
+            <a:r>
+              <a:rPr lang="en-US" dirty="0"/>
+              <a:t>Our Project Structure consists of Controller, Entities, Repository, Service, Service Implementation.</a:t>
+            </a:r>
+          </a:p>
+          <a:p>
+            <a:pPr marL="342900" indent="-342900">
+              <a:buFont typeface="Wingdings" panose="05000000000000000000" pitchFamily="2" charset="2"/>
+              <a:buChar char="ü"/>
+            </a:pPr>
+            <a:r>
+              <a:rPr lang="en-US" dirty="0"/>
+              <a:t>Each Structure is used for getting info, user case activities etc.</a:t>
+            </a:r>
+          </a:p>
+          <a:p>
+            <a:pPr marL="342900" indent="-342900">
+              <a:buFont typeface="Wingdings" panose="05000000000000000000" pitchFamily="2" charset="2"/>
+              <a:buChar char="ü"/>
+            </a:pPr>
+            <a:r>
+              <a:rPr lang="en-US" dirty="0"/>
+              <a:t>The Main Class is Autogenerated by Spring-Boot, so its not necessary to create a Main Class.</a:t>
+            </a:r>
+          </a:p>
+          <a:p>
+            <a:pPr marL="342900" indent="-342900">
+              <a:buFont typeface="Wingdings" panose="05000000000000000000" pitchFamily="2" charset="2"/>
+              <a:buChar char="ü"/>
+            </a:pPr>
+            <a:r>
+              <a:rPr lang="en-US" dirty="0"/>
+              <a:t>Application Properties must be used to connect with MySQL, </a:t>
+            </a:r>
+          </a:p>
+          <a:p>
+            <a:pPr marL="342900" indent="-342900">
+              <a:buFont typeface="Wingdings" panose="05000000000000000000" pitchFamily="2" charset="2"/>
+              <a:buChar char="ü"/>
+            </a:pPr>
+            <a:r>
+              <a:rPr lang="en-US" dirty="0"/>
+              <a:t>and to give other properties.</a:t>
+            </a:r>
+          </a:p>
+        </p:txBody>
+      </p:sp>
+      <p:pic>
+        <p:nvPicPr>
+          <p:cNvPr id="5" name="Picture 4" descr="Graphical user interface, text, application&#10;&#10;Description automatically generated">
+            <a:extLst>
+              <a:ext uri="{FF2B5EF4-FFF2-40B4-BE49-F238E27FC236}">
+                <a16:creationId xmlns:a16="http://schemas.microsoft.com/office/drawing/2014/main" id="{490EB772-A89F-40CE-9E89-732330D1724B}"/>
+              </a:ext>
+            </a:extLst>
+          </p:cNvPr>
+          <p:cNvPicPr>
+            <a:picLocks noChangeAspect="1"/>
+          </p:cNvPicPr>
+          <p:nvPr/>
+        </p:nvPicPr>
+        <p:blipFill>
+          <a:blip r:embed="rId2">
+            <a:extLst>
+              <a:ext uri="{28A0092B-C50C-407E-A947-70E740481C1C}">
+                <a14:useLocalDpi xmlns:a14="http://schemas.microsoft.com/office/drawing/2010/main" val="0"/>
+              </a:ext>
+            </a:extLst>
+          </a:blip>
+          <a:stretch>
+            <a:fillRect/>
+          </a:stretch>
+        </p:blipFill>
+        <p:spPr>
+          <a:xfrm>
+            <a:off x="8696325" y="3080502"/>
+            <a:ext cx="3200400" cy="3513289"/>
+          </a:xfrm>
+          <a:prstGeom prst="rect">
+            <a:avLst/>
+          </a:prstGeom>
+        </p:spPr>
+      </p:pic>
+      <p:pic>
+        <p:nvPicPr>
+          <p:cNvPr id="7" name="Picture 6" descr="Graphical user interface, application, Word&#10;&#10;Description automatically generated">
+            <a:extLst>
+              <a:ext uri="{FF2B5EF4-FFF2-40B4-BE49-F238E27FC236}">
+                <a16:creationId xmlns:a16="http://schemas.microsoft.com/office/drawing/2014/main" id="{B51A37D5-8880-4629-BFD6-CE0EA7373D20}"/>
+              </a:ext>
+            </a:extLst>
+          </p:cNvPr>
+          <p:cNvPicPr>
+            <a:picLocks noChangeAspect="1"/>
+          </p:cNvPicPr>
+          <p:nvPr/>
+        </p:nvPicPr>
+        <p:blipFill>
+          <a:blip r:embed="rId3">
+            <a:extLst>
+              <a:ext uri="{28A0092B-C50C-407E-A947-70E740481C1C}">
+                <a14:useLocalDpi xmlns:a14="http://schemas.microsoft.com/office/drawing/2010/main" val="0"/>
+              </a:ext>
+            </a:extLst>
+          </a:blip>
+          <a:stretch>
+            <a:fillRect/>
+          </a:stretch>
+        </p:blipFill>
+        <p:spPr>
+          <a:xfrm>
+            <a:off x="547015" y="4371975"/>
+            <a:ext cx="7017444" cy="2038350"/>
+          </a:xfrm>
+          <a:prstGeom prst="rect">
+            <a:avLst/>
+          </a:prstGeom>
+        </p:spPr>
+      </p:pic>
+    </p:spTree>
+    <p:extLst>
+      <p:ext uri="{BB962C8B-B14F-4D97-AF65-F5344CB8AC3E}">
+        <p14:creationId xmlns:p14="http://schemas.microsoft.com/office/powerpoint/2010/main" val="3999438332"/>
+      </p:ext>
+    </p:extLst>
+  </p:cSld>
+  <p:clrMapOvr>
+    <a:masterClrMapping/>
+  </p:clrMapOvr>
+</p:sld>
+</file>
+
+<file path=ppt/slides/slide7.xml><?xml version="1.0" encoding="utf-8"?>
+<p:sld xmlns:a="http://schemas.openxmlformats.org/drawingml/2006/main" xmlns:r="http://schemas.openxmlformats.org/officeDocument/2006/relationships" xmlns:p="http://schemas.openxmlformats.org/presentationml/2006/main">
+  <p:cSld>
+    <p:spTree>
+      <p:nvGrpSpPr>
+        <p:cNvPr id="1" name=""/>
+        <p:cNvGrpSpPr/>
+        <p:nvPr/>
+      </p:nvGrpSpPr>
+      <p:grpSpPr>
+        <a:xfrm>
+          <a:off x="0" y="0"/>
+          <a:ext cx="0" cy="0"/>
+          <a:chOff x="0" y="0"/>
+          <a:chExt cx="0" cy="0"/>
+        </a:xfrm>
+      </p:grpSpPr>
+      <p:sp>
+        <p:nvSpPr>
+          <p:cNvPr id="2" name="Title 1">
+            <a:extLst>
+              <a:ext uri="{FF2B5EF4-FFF2-40B4-BE49-F238E27FC236}">
+                <a16:creationId xmlns:a16="http://schemas.microsoft.com/office/drawing/2014/main" id="{323C22F6-B3ED-4528-97F5-AE842502AF4F}"/>
+              </a:ext>
+            </a:extLst>
+          </p:cNvPr>
+          <p:cNvSpPr>
+            <a:spLocks noGrp="1"/>
+          </p:cNvSpPr>
+          <p:nvPr>
+            <p:ph type="title"/>
+          </p:nvPr>
+        </p:nvSpPr>
+        <p:spPr>
+          <a:xfrm>
+            <a:off x="441820" y="528506"/>
+            <a:ext cx="10972800" cy="633387"/>
+          </a:xfrm>
+        </p:spPr>
+        <p:txBody>
+          <a:bodyPr>
+            <a:normAutofit fontScale="90000"/>
+          </a:bodyPr>
+          <a:lstStyle/>
+          <a:p>
+            <a:r>
+              <a:rPr lang="en-US" sz="4000" dirty="0"/>
+              <a:t>Annotations:</a:t>
+            </a:r>
+          </a:p>
+        </p:txBody>
+      </p:sp>
+      <p:sp>
+        <p:nvSpPr>
+          <p:cNvPr id="3" name="Content Placeholder 2">
+            <a:extLst>
+              <a:ext uri="{FF2B5EF4-FFF2-40B4-BE49-F238E27FC236}">
+                <a16:creationId xmlns:a16="http://schemas.microsoft.com/office/drawing/2014/main" id="{94E03E7E-0E67-4624-AF4B-2E84335651D3}"/>
+              </a:ext>
+            </a:extLst>
+          </p:cNvPr>
+          <p:cNvSpPr>
+            <a:spLocks noGrp="1"/>
+          </p:cNvSpPr>
+          <p:nvPr>
+            <p:ph idx="1"/>
+          </p:nvPr>
+        </p:nvSpPr>
+        <p:spPr>
+          <a:xfrm>
+            <a:off x="609600" y="1342806"/>
+            <a:ext cx="10972800" cy="980944"/>
+          </a:xfrm>
+        </p:spPr>
+        <p:txBody>
+          <a:bodyPr/>
+          <a:lstStyle/>
+          <a:p>
+            <a:pPr marL="342900" indent="-342900">
+              <a:buFont typeface="Wingdings" panose="05000000000000000000" pitchFamily="2" charset="2"/>
+              <a:buChar char="ü"/>
+            </a:pPr>
+            <a:r>
+              <a:rPr lang="en-US" dirty="0"/>
+              <a:t>In Spring-Boot project many annotations will be used those are from spring packages.</a:t>
+            </a:r>
+          </a:p>
+          <a:p>
+            <a:pPr marL="342900" indent="-342900">
+              <a:buFont typeface="Wingdings" panose="05000000000000000000" pitchFamily="2" charset="2"/>
+              <a:buChar char="ü"/>
+            </a:pPr>
+            <a:r>
+              <a:rPr lang="en-US" dirty="0"/>
+              <a:t>Annotations uses in this project are,</a:t>
+            </a:r>
+          </a:p>
+        </p:txBody>
+      </p:sp>
+      <p:sp>
+        <p:nvSpPr>
+          <p:cNvPr id="4" name="TextBox 3">
+            <a:extLst>
+              <a:ext uri="{FF2B5EF4-FFF2-40B4-BE49-F238E27FC236}">
+                <a16:creationId xmlns:a16="http://schemas.microsoft.com/office/drawing/2014/main" id="{59702903-28AD-4FAB-92DB-06084209F054}"/>
+              </a:ext>
+            </a:extLst>
+          </p:cNvPr>
+          <p:cNvSpPr txBox="1"/>
+          <p:nvPr/>
+        </p:nvSpPr>
+        <p:spPr>
+          <a:xfrm>
+            <a:off x="2063692" y="2206305"/>
+            <a:ext cx="6182686" cy="3416320"/>
+          </a:xfrm>
+          <a:prstGeom prst="rect">
+            <a:avLst/>
+          </a:prstGeom>
+          <a:noFill/>
+        </p:spPr>
+        <p:txBody>
+          <a:bodyPr wrap="square" rtlCol="0">
+            <a:spAutoFit/>
+          </a:bodyPr>
+          <a:lstStyle/>
+          <a:p>
+            <a:pPr marL="285750" indent="-285750">
+              <a:buFont typeface="Courier New" panose="02070309020205020404" pitchFamily="49" charset="0"/>
+              <a:buChar char="o"/>
+            </a:pPr>
+            <a:r>
+              <a:rPr lang="en-US" dirty="0"/>
+              <a:t>@Entity</a:t>
+            </a:r>
+          </a:p>
+          <a:p>
+            <a:pPr marL="285750" indent="-285750">
+              <a:buFont typeface="Courier New" panose="02070309020205020404" pitchFamily="49" charset="0"/>
+              <a:buChar char="o"/>
+            </a:pPr>
+            <a:r>
+              <a:rPr lang="en-US" dirty="0"/>
+              <a:t>@Table</a:t>
+            </a:r>
+          </a:p>
+          <a:p>
+            <a:pPr marL="285750" indent="-285750">
+              <a:buFont typeface="Courier New" panose="02070309020205020404" pitchFamily="49" charset="0"/>
+              <a:buChar char="o"/>
+            </a:pPr>
+            <a:r>
+              <a:rPr lang="en-US" dirty="0"/>
+              <a:t>@Id</a:t>
+            </a:r>
+          </a:p>
+          <a:p>
+            <a:pPr marL="285750" indent="-285750">
+              <a:buFont typeface="Courier New" panose="02070309020205020404" pitchFamily="49" charset="0"/>
+              <a:buChar char="o"/>
+            </a:pPr>
+            <a:r>
+              <a:rPr lang="en-US" dirty="0"/>
+              <a:t>@Column</a:t>
+            </a:r>
+          </a:p>
+          <a:p>
+            <a:pPr marL="285750" indent="-285750">
+              <a:buFont typeface="Courier New" panose="02070309020205020404" pitchFamily="49" charset="0"/>
+              <a:buChar char="o"/>
+            </a:pPr>
+            <a:r>
+              <a:rPr lang="en-US" dirty="0"/>
+              <a:t>@GeneratedValue</a:t>
+            </a:r>
+          </a:p>
+          <a:p>
+            <a:pPr marL="285750" indent="-285750">
+              <a:buFont typeface="Courier New" panose="02070309020205020404" pitchFamily="49" charset="0"/>
+              <a:buChar char="o"/>
+            </a:pPr>
+            <a:r>
+              <a:rPr lang="en-US" dirty="0"/>
+              <a:t>@OnetoOne, OnetoMany, ManytoOne, ManytoMany</a:t>
+            </a:r>
+          </a:p>
+          <a:p>
+            <a:pPr marL="285750" indent="-285750">
+              <a:buFont typeface="Courier New" panose="02070309020205020404" pitchFamily="49" charset="0"/>
+              <a:buChar char="o"/>
+            </a:pPr>
+            <a:r>
+              <a:rPr lang="en-US" dirty="0"/>
+              <a:t>@JoinColumn, JoinTable</a:t>
+            </a:r>
+          </a:p>
+          <a:p>
+            <a:pPr marL="285750" indent="-285750">
+              <a:buFont typeface="Courier New" panose="02070309020205020404" pitchFamily="49" charset="0"/>
+              <a:buChar char="o"/>
+            </a:pPr>
+            <a:r>
+              <a:rPr lang="en-US" dirty="0"/>
+              <a:t>@Repository</a:t>
+            </a:r>
+          </a:p>
+          <a:p>
+            <a:pPr marL="285750" indent="-285750">
+              <a:buFont typeface="Courier New" panose="02070309020205020404" pitchFamily="49" charset="0"/>
+              <a:buChar char="o"/>
+            </a:pPr>
+            <a:r>
+              <a:rPr lang="en-US" dirty="0"/>
+              <a:t>@Service</a:t>
+            </a:r>
+          </a:p>
+          <a:p>
+            <a:pPr marL="285750" indent="-285750">
+              <a:buFont typeface="Courier New" panose="02070309020205020404" pitchFamily="49" charset="0"/>
+              <a:buChar char="o"/>
+            </a:pPr>
+            <a:r>
+              <a:rPr lang="en-US" dirty="0"/>
+              <a:t>@AutoWired</a:t>
+            </a:r>
+          </a:p>
+          <a:p>
+            <a:pPr marL="285750" indent="-285750">
+              <a:buFont typeface="Courier New" panose="02070309020205020404" pitchFamily="49" charset="0"/>
+              <a:buChar char="o"/>
+            </a:pPr>
+            <a:r>
+              <a:rPr lang="en-US" dirty="0"/>
+              <a:t>@RestController</a:t>
+            </a:r>
+          </a:p>
+          <a:p>
+            <a:pPr marL="285750" indent="-285750">
+              <a:buFont typeface="Courier New" panose="02070309020205020404" pitchFamily="49" charset="0"/>
+              <a:buChar char="o"/>
+            </a:pPr>
+            <a:r>
+              <a:rPr lang="en-US" dirty="0"/>
+              <a:t>@PostMapping, GetMapping, DeleteMapping, etc.</a:t>
+            </a:r>
+          </a:p>
+        </p:txBody>
+      </p:sp>
+    </p:spTree>
+    <p:extLst>
+      <p:ext uri="{BB962C8B-B14F-4D97-AF65-F5344CB8AC3E}">
+        <p14:creationId xmlns:p14="http://schemas.microsoft.com/office/powerpoint/2010/main" val="186583678"/>
+      </p:ext>
+    </p:extLst>
+  </p:cSld>
+  <p:clrMapOvr>
+    <a:masterClrMapping/>
+  </p:clrMapOvr>
+</p:sld>
+</file>
+
+<file path=ppt/slides/slide8.xml><?xml version="1.0" encoding="utf-8"?>
+<p:sld xmlns:a="http://schemas.openxmlformats.org/drawingml/2006/main" xmlns:r="http://schemas.openxmlformats.org/officeDocument/2006/relationships" xmlns:p="http://schemas.openxmlformats.org/presentationml/2006/main">
+  <p:cSld>
+    <p:bg>
+      <p:bgPr>
+        <a:solidFill>
+          <a:schemeClr val="bg2"/>
+        </a:solidFill>
+        <a:effectLst/>
+      </p:bgPr>
+    </p:bg>
+    <p:spTree>
+      <p:nvGrpSpPr>
+        <p:cNvPr id="1" name=""/>
+        <p:cNvGrpSpPr/>
+        <p:nvPr/>
+      </p:nvGrpSpPr>
+      <p:grpSpPr>
+        <a:xfrm>
+          <a:off x="0" y="0"/>
+          <a:ext cx="0" cy="0"/>
+          <a:chOff x="0" y="0"/>
+          <a:chExt cx="0" cy="0"/>
+        </a:xfrm>
+      </p:grpSpPr>
+      <p:sp>
+        <p:nvSpPr>
+          <p:cNvPr id="71" name="Rectangle 70">
+            <a:extLst>
+              <a:ext uri="{FF2B5EF4-FFF2-40B4-BE49-F238E27FC236}">
+                <a16:creationId xmlns:a16="http://schemas.microsoft.com/office/drawing/2014/main" id="{042E603F-28B7-4831-BF23-65FBAB13D5FB}"/>
+              </a:ext>
+              <a:ext uri="{C183D7F6-B498-43B3-948B-1728B52AA6E4}">
+                <adec:decorative xmlns:adec="http://schemas.microsoft.com/office/drawing/2017/decorative" val="1"/>
+              </a:ext>
+            </a:extLst>
+          </p:cNvPr>
+          <p:cNvSpPr>
+            <a:spLocks noGrp="1" noRot="1" noChangeAspect="1" noMove="1" noResize="1" noEditPoints="1" noAdjustHandles="1" noChangeArrowheads="1" noChangeShapeType="1" noTextEdit="1"/>
+          </p:cNvSpPr>
+          <p:nvPr>
+            <p:extLst>
+              <p:ext uri="{386F3935-93C4-4BCD-93E2-E3B085C9AB24}">
+                <p16:designElem xmlns:p16="http://schemas.microsoft.com/office/powerpoint/2015/main" val="1"/>
+              </p:ext>
+            </p:extLst>
+          </p:nvPr>
+        </p:nvSpPr>
+        <p:spPr>
+          <a:xfrm>
+            <a:off x="0" y="0"/>
+            <a:ext cx="12192001" cy="6858000"/>
+          </a:xfrm>
+          <a:prstGeom prst="rect">
+            <a:avLst/>
+          </a:prstGeom>
+          <a:solidFill>
+            <a:srgbClr val="AEAEAE">
+              <a:alpha val="10000"/>
+            </a:srgbClr>
+          </a:solidFill>
+          <a:ln>
+            <a:noFill/>
+          </a:ln>
+        </p:spPr>
+        <p:style>
+          <a:lnRef idx="2">
+            <a:schemeClr val="accent1">
+              <a:shade val="50000"/>
+            </a:schemeClr>
+          </a:lnRef>
+          <a:fillRef idx="1">
+            <a:schemeClr val="accent1"/>
+          </a:fillRef>
+          <a:effectRef idx="0">
+            <a:schemeClr val="accent1"/>
+          </a:effectRef>
+          <a:fontRef idx="minor">
+            <a:schemeClr val="lt1"/>
+          </a:fontRef>
+        </p:style>
+        <p:txBody>
+          <a:bodyPr rtlCol="0" anchor="ctr"/>
+          <a:lstStyle/>
+          <a:p>
+            <a:pPr algn="ctr"/>
+            <a:endParaRPr lang="en-US" dirty="0"/>
+          </a:p>
+        </p:txBody>
+      </p:sp>
+      <p:sp>
+        <p:nvSpPr>
+          <p:cNvPr id="73" name="Freeform: Shape 72">
+            <a:extLst>
+              <a:ext uri="{FF2B5EF4-FFF2-40B4-BE49-F238E27FC236}">
+                <a16:creationId xmlns:a16="http://schemas.microsoft.com/office/drawing/2014/main" id="{4D39700F-2B10-4402-A7DD-06EE2245880D}"/>
+              </a:ext>
+              <a:ext uri="{C183D7F6-B498-43B3-948B-1728B52AA6E4}">
+                <adec:decorative xmlns:adec="http://schemas.microsoft.com/office/drawing/2017/decorative" val="1"/>
+              </a:ext>
+            </a:extLst>
+          </p:cNvPr>
+          <p:cNvSpPr>
+            <a:spLocks noGrp="1" noRot="1" noChangeAspect="1" noMove="1" noResize="1" noEditPoints="1" noAdjustHandles="1" noChangeArrowheads="1" noChangeShapeType="1" noTextEdit="1"/>
+          </p:cNvSpPr>
+          <p:nvPr>
+            <p:extLst>
+              <p:ext uri="{386F3935-93C4-4BCD-93E2-E3B085C9AB24}">
+                <p16:designElem xmlns:p16="http://schemas.microsoft.com/office/powerpoint/2015/main" val="1"/>
+              </p:ext>
+            </p:extLst>
+          </p:nvPr>
+        </p:nvSpPr>
+        <p:spPr>
+          <a:xfrm>
+            <a:off x="-1" y="232968"/>
+            <a:ext cx="9560477" cy="6625032"/>
+          </a:xfrm>
+          <a:custGeom>
+            <a:avLst/>
+            <a:gdLst>
+              <a:gd name="connsiteX0" fmla="*/ 8831314 w 9263816"/>
+              <a:gd name="connsiteY0" fmla="*/ 5943878 h 6858000"/>
+              <a:gd name="connsiteX1" fmla="*/ 9179783 w 9263816"/>
+              <a:gd name="connsiteY1" fmla="*/ 6086141 h 6858000"/>
+              <a:gd name="connsiteX2" fmla="*/ 9260887 w 9263816"/>
+              <a:gd name="connsiteY2" fmla="*/ 6279156 h 6858000"/>
+              <a:gd name="connsiteX3" fmla="*/ 8925621 w 9263816"/>
+              <a:gd name="connsiteY3" fmla="*/ 6708712 h 6858000"/>
+              <a:gd name="connsiteX4" fmla="*/ 8496050 w 9263816"/>
+              <a:gd name="connsiteY4" fmla="*/ 6373449 h 6858000"/>
+              <a:gd name="connsiteX5" fmla="*/ 8831314 w 9263816"/>
+              <a:gd name="connsiteY5" fmla="*/ 5943878 h 6858000"/>
+              <a:gd name="connsiteX6" fmla="*/ 7397485 w 9263816"/>
+              <a:gd name="connsiteY6" fmla="*/ 5931706 h 6858000"/>
+              <a:gd name="connsiteX7" fmla="*/ 7917779 w 9263816"/>
+              <a:gd name="connsiteY7" fmla="*/ 6191864 h 6858000"/>
+              <a:gd name="connsiteX8" fmla="*/ 8013467 w 9263816"/>
+              <a:gd name="connsiteY8" fmla="*/ 6375784 h 6858000"/>
+              <a:gd name="connsiteX9" fmla="*/ 8021879 w 9263816"/>
+              <a:gd name="connsiteY9" fmla="*/ 6753751 h 6858000"/>
+              <a:gd name="connsiteX10" fmla="*/ 7981316 w 9263816"/>
+              <a:gd name="connsiteY10" fmla="*/ 6858000 h 6858000"/>
+              <a:gd name="connsiteX11" fmla="*/ 6819486 w 9263816"/>
+              <a:gd name="connsiteY11" fmla="*/ 6858000 h 6858000"/>
+              <a:gd name="connsiteX12" fmla="*/ 6785199 w 9263816"/>
+              <a:gd name="connsiteY12" fmla="*/ 6781101 h 6858000"/>
+              <a:gd name="connsiteX13" fmla="*/ 7196747 w 9263816"/>
+              <a:gd name="connsiteY13" fmla="*/ 5964309 h 6858000"/>
+              <a:gd name="connsiteX14" fmla="*/ 7397485 w 9263816"/>
+              <a:gd name="connsiteY14" fmla="*/ 5931706 h 6858000"/>
+              <a:gd name="connsiteX15" fmla="*/ 1505570 w 9263816"/>
+              <a:gd name="connsiteY15" fmla="*/ 227178 h 6858000"/>
+              <a:gd name="connsiteX16" fmla="*/ 2026489 w 9263816"/>
+              <a:gd name="connsiteY16" fmla="*/ 392370 h 6858000"/>
+              <a:gd name="connsiteX17" fmla="*/ 2444553 w 9263816"/>
+              <a:gd name="connsiteY17" fmla="*/ 1654853 h 6858000"/>
+              <a:gd name="connsiteX18" fmla="*/ 3183153 w 9263816"/>
+              <a:gd name="connsiteY18" fmla="*/ 2116208 h 6858000"/>
+              <a:gd name="connsiteX19" fmla="*/ 4288384 w 9263816"/>
+              <a:gd name="connsiteY19" fmla="*/ 1291908 h 6858000"/>
+              <a:gd name="connsiteX20" fmla="*/ 5472602 w 9263816"/>
+              <a:gd name="connsiteY20" fmla="*/ 1697818 h 6858000"/>
+              <a:gd name="connsiteX21" fmla="*/ 5844697 w 9263816"/>
+              <a:gd name="connsiteY21" fmla="*/ 3444791 h 6858000"/>
+              <a:gd name="connsiteX22" fmla="*/ 6715674 w 9263816"/>
+              <a:gd name="connsiteY22" fmla="*/ 4065208 h 6858000"/>
+              <a:gd name="connsiteX23" fmla="*/ 8130429 w 9263816"/>
+              <a:gd name="connsiteY23" fmla="*/ 4101787 h 6858000"/>
+              <a:gd name="connsiteX24" fmla="*/ 8624630 w 9263816"/>
+              <a:gd name="connsiteY24" fmla="*/ 4686202 h 6858000"/>
+              <a:gd name="connsiteX25" fmla="*/ 8623843 w 9263816"/>
+              <a:gd name="connsiteY25" fmla="*/ 4685749 h 6858000"/>
+              <a:gd name="connsiteX26" fmla="*/ 8646859 w 9263816"/>
+              <a:gd name="connsiteY26" fmla="*/ 4835156 h 6858000"/>
+              <a:gd name="connsiteX27" fmla="*/ 8079403 w 9263816"/>
+              <a:gd name="connsiteY27" fmla="*/ 5661624 h 6858000"/>
+              <a:gd name="connsiteX28" fmla="*/ 6833105 w 9263816"/>
+              <a:gd name="connsiteY28" fmla="*/ 5397208 h 6858000"/>
+              <a:gd name="connsiteX29" fmla="*/ 5900832 w 9263816"/>
+              <a:gd name="connsiteY29" fmla="*/ 5944462 h 6858000"/>
+              <a:gd name="connsiteX30" fmla="*/ 6067212 w 9263816"/>
+              <a:gd name="connsiteY30" fmla="*/ 6811916 h 6858000"/>
+              <a:gd name="connsiteX31" fmla="*/ 6089565 w 9263816"/>
+              <a:gd name="connsiteY31" fmla="*/ 6858000 h 6858000"/>
+              <a:gd name="connsiteX32" fmla="*/ 0 w 9263816"/>
+              <a:gd name="connsiteY32" fmla="*/ 6858000 h 6858000"/>
+              <a:gd name="connsiteX33" fmla="*/ 0 w 9263816"/>
+              <a:gd name="connsiteY33" fmla="*/ 2181377 h 6858000"/>
+              <a:gd name="connsiteX34" fmla="*/ 73069 w 9263816"/>
+              <a:gd name="connsiteY34" fmla="*/ 2215839 h 6858000"/>
+              <a:gd name="connsiteX35" fmla="*/ 335445 w 9263816"/>
+              <a:gd name="connsiteY35" fmla="*/ 2237140 h 6858000"/>
+              <a:gd name="connsiteX36" fmla="*/ 752878 w 9263816"/>
+              <a:gd name="connsiteY36" fmla="*/ 1445285 h 6858000"/>
+              <a:gd name="connsiteX37" fmla="*/ 1202551 w 9263816"/>
+              <a:gd name="connsiteY37" fmla="*/ 314229 h 6858000"/>
+              <a:gd name="connsiteX38" fmla="*/ 1505570 w 9263816"/>
+              <a:gd name="connsiteY38" fmla="*/ 227178 h 6858000"/>
+              <a:gd name="connsiteX39" fmla="*/ 3142509 w 9263816"/>
+              <a:gd name="connsiteY39" fmla="*/ 68854 h 6858000"/>
+              <a:gd name="connsiteX40" fmla="*/ 3490978 w 9263816"/>
+              <a:gd name="connsiteY40" fmla="*/ 211117 h 6858000"/>
+              <a:gd name="connsiteX41" fmla="*/ 3572083 w 9263816"/>
+              <a:gd name="connsiteY41" fmla="*/ 404131 h 6858000"/>
+              <a:gd name="connsiteX42" fmla="*/ 3236814 w 9263816"/>
+              <a:gd name="connsiteY42" fmla="*/ 833688 h 6858000"/>
+              <a:gd name="connsiteX43" fmla="*/ 2807245 w 9263816"/>
+              <a:gd name="connsiteY43" fmla="*/ 498425 h 6858000"/>
+              <a:gd name="connsiteX44" fmla="*/ 3142509 w 9263816"/>
+              <a:gd name="connsiteY44" fmla="*/ 68854 h 6858000"/>
+              <a:gd name="connsiteX45" fmla="*/ 0 w 9263816"/>
+              <a:gd name="connsiteY45" fmla="*/ 0 h 6858000"/>
+              <a:gd name="connsiteX46" fmla="*/ 39858 w 9263816"/>
+              <a:gd name="connsiteY46" fmla="*/ 0 h 6858000"/>
+              <a:gd name="connsiteX47" fmla="*/ 65022 w 9263816"/>
+              <a:gd name="connsiteY47" fmla="*/ 5834 h 6858000"/>
+              <a:gd name="connsiteX48" fmla="*/ 389258 w 9263816"/>
+              <a:gd name="connsiteY48" fmla="*/ 235630 h 6858000"/>
+              <a:gd name="connsiteX49" fmla="*/ 485484 w 9263816"/>
+              <a:gd name="connsiteY49" fmla="*/ 420070 h 6858000"/>
+              <a:gd name="connsiteX50" fmla="*/ 74229 w 9263816"/>
+              <a:gd name="connsiteY50" fmla="*/ 1237955 h 6858000"/>
+              <a:gd name="connsiteX51" fmla="*/ 0 w 9263816"/>
+              <a:gd name="connsiteY51" fmla="*/ 1254477 h 6858000"/>
+            </a:gdLst>
+            <a:ahLst/>
+            <a:cxnLst>
+              <a:cxn ang="0">
+                <a:pos x="connsiteX0" y="connsiteY0"/>
+              </a:cxn>
+              <a:cxn ang="0">
+                <a:pos x="connsiteX1" y="connsiteY1"/>
+              </a:cxn>
+              <a:cxn ang="0">
+                <a:pos x="connsiteX2" y="connsiteY2"/>
+              </a:cxn>
+              <a:cxn ang="0">
+                <a:pos x="connsiteX3" y="connsiteY3"/>
+              </a:cxn>
+              <a:cxn ang="0">
+                <a:pos x="connsiteX4" y="connsiteY4"/>
+              </a:cxn>
+              <a:cxn ang="0">
+                <a:pos x="connsiteX5" y="connsiteY5"/>
+              </a:cxn>
+              <a:cxn ang="0">
+                <a:pos x="connsiteX6" y="connsiteY6"/>
+              </a:cxn>
+              <a:cxn ang="0">
+                <a:pos x="connsiteX7" y="connsiteY7"/>
+              </a:cxn>
+              <a:cxn ang="0">
+                <a:pos x="connsiteX8" y="connsiteY8"/>
+              </a:cxn>
+              <a:cxn ang="0">
+                <a:pos x="connsiteX9" y="connsiteY9"/>
+              </a:cxn>
+              <a:cxn ang="0">
+                <a:pos x="connsiteX10" y="connsiteY10"/>
+              </a:cxn>
+              <a:cxn ang="0">
+                <a:pos x="connsiteX11" y="connsiteY11"/>
+              </a:cxn>
+              <a:cxn ang="0">
+                <a:pos x="connsiteX12" y="connsiteY12"/>
+              </a:cxn>
+              <a:cxn ang="0">
+                <a:pos x="connsiteX13" y="connsiteY13"/>
+              </a:cxn>
+              <a:cxn ang="0">
+                <a:pos x="connsiteX14" y="connsiteY14"/>
+              </a:cxn>
+              <a:cxn ang="0">
+                <a:pos x="connsiteX15" y="connsiteY15"/>
+              </a:cxn>
+              <a:cxn ang="0">
+                <a:pos x="connsiteX16" y="connsiteY16"/>
+              </a:cxn>
+              <a:cxn ang="0">
+                <a:pos x="connsiteX17" y="connsiteY17"/>
+              </a:cxn>
+              <a:cxn ang="0">
+                <a:pos x="connsiteX18" y="connsiteY18"/>
+              </a:cxn>
+              <a:cxn ang="0">
+                <a:pos x="connsiteX19" y="connsiteY19"/>
+              </a:cxn>
+              <a:cxn ang="0">
+                <a:pos x="connsiteX20" y="connsiteY20"/>
+              </a:cxn>
+              <a:cxn ang="0">
+                <a:pos x="connsiteX21" y="connsiteY21"/>
+              </a:cxn>
+              <a:cxn ang="0">
+                <a:pos x="connsiteX22" y="connsiteY22"/>
+              </a:cxn>
+              <a:cxn ang="0">
+                <a:pos x="connsiteX23" y="connsiteY23"/>
+              </a:cxn>
+              <a:cxn ang="0">
+                <a:pos x="connsiteX24" y="connsiteY24"/>
+              </a:cxn>
+              <a:cxn ang="0">
+                <a:pos x="connsiteX25" y="connsiteY25"/>
+              </a:cxn>
+              <a:cxn ang="0">
+                <a:pos x="connsiteX26" y="connsiteY26"/>
+              </a:cxn>
+              <a:cxn ang="0">
+                <a:pos x="connsiteX27" y="connsiteY27"/>
+              </a:cxn>
+              <a:cxn ang="0">
+                <a:pos x="connsiteX28" y="connsiteY28"/>
+              </a:cxn>
+              <a:cxn ang="0">
+                <a:pos x="connsiteX29" y="connsiteY29"/>
+              </a:cxn>
+              <a:cxn ang="0">
+                <a:pos x="connsiteX30" y="connsiteY30"/>
+              </a:cxn>
+              <a:cxn ang="0">
+                <a:pos x="connsiteX31" y="connsiteY31"/>
+              </a:cxn>
+              <a:cxn ang="0">
+                <a:pos x="connsiteX32" y="connsiteY32"/>
+              </a:cxn>
+              <a:cxn ang="0">
+                <a:pos x="connsiteX33" y="connsiteY33"/>
+              </a:cxn>
+              <a:cxn ang="0">
+                <a:pos x="connsiteX34" y="connsiteY34"/>
+              </a:cxn>
+              <a:cxn ang="0">
+                <a:pos x="connsiteX35" y="connsiteY35"/>
+              </a:cxn>
+              <a:cxn ang="0">
+                <a:pos x="connsiteX36" y="connsiteY36"/>
+              </a:cxn>
+              <a:cxn ang="0">
+                <a:pos x="connsiteX37" y="connsiteY37"/>
+              </a:cxn>
+              <a:cxn ang="0">
+                <a:pos x="connsiteX38" y="connsiteY38"/>
+              </a:cxn>
+              <a:cxn ang="0">
+                <a:pos x="connsiteX39" y="connsiteY39"/>
+              </a:cxn>
+              <a:cxn ang="0">
+                <a:pos x="connsiteX40" y="connsiteY40"/>
+              </a:cxn>
+              <a:cxn ang="0">
+                <a:pos x="connsiteX41" y="connsiteY41"/>
+              </a:cxn>
+              <a:cxn ang="0">
+                <a:pos x="connsiteX42" y="connsiteY42"/>
+              </a:cxn>
+              <a:cxn ang="0">
+                <a:pos x="connsiteX43" y="connsiteY43"/>
+              </a:cxn>
+              <a:cxn ang="0">
+                <a:pos x="connsiteX44" y="connsiteY44"/>
+              </a:cxn>
+              <a:cxn ang="0">
+                <a:pos x="connsiteX45" y="connsiteY45"/>
+              </a:cxn>
+              <a:cxn ang="0">
+                <a:pos x="connsiteX46" y="connsiteY46"/>
+              </a:cxn>
+              <a:cxn ang="0">
+                <a:pos x="connsiteX47" y="connsiteY47"/>
+              </a:cxn>
+              <a:cxn ang="0">
+                <a:pos x="connsiteX48" y="connsiteY48"/>
+              </a:cxn>
+              <a:cxn ang="0">
+                <a:pos x="connsiteX49" y="connsiteY49"/>
+              </a:cxn>
+              <a:cxn ang="0">
+                <a:pos x="connsiteX50" y="connsiteY50"/>
+              </a:cxn>
+              <a:cxn ang="0">
+                <a:pos x="connsiteX51" y="connsiteY51"/>
+              </a:cxn>
+            </a:cxnLst>
+            <a:rect l="l" t="t" r="r" b="b"/>
+            <a:pathLst>
+              <a:path w="9263816" h="6858000">
+                <a:moveTo>
+                  <a:pt x="8831314" y="5943878"/>
+                </a:moveTo>
+                <a:cubicBezTo>
+                  <a:pt x="8964281" y="5927490"/>
+                  <a:pt x="9096260" y="5981362"/>
+                  <a:pt x="9179783" y="6086141"/>
+                </a:cubicBezTo>
+                <a:cubicBezTo>
+                  <a:pt x="9224074" y="6141769"/>
+                  <a:pt x="9252211" y="6208560"/>
+                  <a:pt x="9260887" y="6279156"/>
+                </a:cubicBezTo>
+                <a:cubicBezTo>
+                  <a:pt x="9286897" y="6490362"/>
+                  <a:pt x="9136845" y="6682672"/>
+                  <a:pt x="8925621" y="6708712"/>
+                </a:cubicBezTo>
+                <a:cubicBezTo>
+                  <a:pt x="8714398" y="6734766"/>
+                  <a:pt x="8522062" y="6584655"/>
+                  <a:pt x="8496050" y="6373449"/>
+                </a:cubicBezTo>
+                <a:cubicBezTo>
+                  <a:pt x="8470038" y="6162229"/>
+                  <a:pt x="8620090" y="5969920"/>
+                  <a:pt x="8831314" y="5943878"/>
+                </a:cubicBezTo>
+                <a:close/>
+                <a:moveTo>
+                  <a:pt x="7397485" y="5931706"/>
+                </a:moveTo>
+                <a:cubicBezTo>
+                  <a:pt x="7598431" y="5931157"/>
+                  <a:pt x="7792965" y="6024548"/>
+                  <a:pt x="7917779" y="6191864"/>
+                </a:cubicBezTo>
+                <a:cubicBezTo>
+                  <a:pt x="7959204" y="6247714"/>
+                  <a:pt x="7991530" y="6309792"/>
+                  <a:pt x="8013467" y="6375784"/>
+                </a:cubicBezTo>
+                <a:cubicBezTo>
+                  <a:pt x="8055425" y="6502973"/>
+                  <a:pt x="8055748" y="6633888"/>
+                  <a:pt x="8021879" y="6753751"/>
+                </a:cubicBezTo>
+                <a:lnTo>
+                  <a:pt x="7981316" y="6858000"/>
+                </a:lnTo>
+                <a:lnTo>
+                  <a:pt x="6819486" y="6858000"/>
+                </a:lnTo>
+                <a:lnTo>
+                  <a:pt x="6785199" y="6781101"/>
+                </a:lnTo>
+                <a:cubicBezTo>
+                  <a:pt x="6673307" y="6441922"/>
+                  <a:pt x="6857485" y="6076251"/>
+                  <a:pt x="7196747" y="5964309"/>
+                </a:cubicBezTo>
+                <a:cubicBezTo>
+                  <a:pt x="7262809" y="5942509"/>
+                  <a:pt x="7330503" y="5931889"/>
+                  <a:pt x="7397485" y="5931706"/>
+                </a:cubicBezTo>
+                <a:close/>
+                <a:moveTo>
+                  <a:pt x="1505570" y="227178"/>
+                </a:moveTo>
+                <a:cubicBezTo>
+                  <a:pt x="1691018" y="218628"/>
+                  <a:pt x="1889853" y="275403"/>
+                  <a:pt x="2026489" y="392370"/>
+                </a:cubicBezTo>
+                <a:cubicBezTo>
+                  <a:pt x="2369898" y="685965"/>
+                  <a:pt x="2078266" y="1147857"/>
+                  <a:pt x="2444553" y="1654853"/>
+                </a:cubicBezTo>
+                <a:cubicBezTo>
+                  <a:pt x="2492906" y="1721679"/>
+                  <a:pt x="2800482" y="2144546"/>
+                  <a:pt x="3183153" y="2116208"/>
+                </a:cubicBezTo>
+                <a:cubicBezTo>
+                  <a:pt x="3673561" y="2080541"/>
+                  <a:pt x="3723222" y="1441614"/>
+                  <a:pt x="4288384" y="1291908"/>
+                </a:cubicBezTo>
+                <a:cubicBezTo>
+                  <a:pt x="4689065" y="1185875"/>
+                  <a:pt x="5207943" y="1366633"/>
+                  <a:pt x="5472602" y="1697818"/>
+                </a:cubicBezTo>
+                <a:cubicBezTo>
+                  <a:pt x="5891294" y="2221754"/>
+                  <a:pt x="5408012" y="2790179"/>
+                  <a:pt x="5844697" y="3444791"/>
+                </a:cubicBezTo>
+                <a:cubicBezTo>
+                  <a:pt x="6149900" y="3902467"/>
+                  <a:pt x="6672672" y="4053594"/>
+                  <a:pt x="6715674" y="4065208"/>
+                </a:cubicBezTo>
+                <a:cubicBezTo>
+                  <a:pt x="7326423" y="4232519"/>
+                  <a:pt x="7677158" y="3817020"/>
+                  <a:pt x="8130429" y="4101787"/>
+                </a:cubicBezTo>
+                <a:cubicBezTo>
+                  <a:pt x="8226340" y="4161985"/>
+                  <a:pt x="8536372" y="4356819"/>
+                  <a:pt x="8624630" y="4686202"/>
+                </a:cubicBezTo>
+                <a:lnTo>
+                  <a:pt x="8623843" y="4685749"/>
+                </a:lnTo>
+                <a:cubicBezTo>
+                  <a:pt x="8636924" y="4734567"/>
+                  <a:pt x="8644635" y="4784678"/>
+                  <a:pt x="8646859" y="4835156"/>
+                </a:cubicBezTo>
+                <a:cubicBezTo>
+                  <a:pt x="8662596" y="5196604"/>
+                  <a:pt x="8398383" y="5562326"/>
+                  <a:pt x="8079403" y="5661624"/>
+                </a:cubicBezTo>
+                <a:cubicBezTo>
+                  <a:pt x="7649807" y="5795217"/>
+                  <a:pt x="7430996" y="5350293"/>
+                  <a:pt x="6833105" y="5397208"/>
+                </a:cubicBezTo>
+                <a:cubicBezTo>
+                  <a:pt x="6519033" y="5421527"/>
+                  <a:pt x="6056658" y="5595550"/>
+                  <a:pt x="5900832" y="5944462"/>
+                </a:cubicBezTo>
+                <a:cubicBezTo>
+                  <a:pt x="5770548" y="6236600"/>
+                  <a:pt x="5916359" y="6515160"/>
+                  <a:pt x="6067212" y="6811916"/>
+                </a:cubicBezTo>
+                <a:lnTo>
+                  <a:pt x="6089565" y="6858000"/>
+                </a:lnTo>
+                <a:lnTo>
+                  <a:pt x="0" y="6858000"/>
+                </a:lnTo>
+                <a:lnTo>
+                  <a:pt x="0" y="2181377"/>
+                </a:lnTo>
+                <a:lnTo>
+                  <a:pt x="73069" y="2215839"/>
+                </a:lnTo>
+                <a:cubicBezTo>
+                  <a:pt x="165116" y="2251829"/>
+                  <a:pt x="254486" y="2263171"/>
+                  <a:pt x="335445" y="2237140"/>
+                </a:cubicBezTo>
+                <a:cubicBezTo>
+                  <a:pt x="594718" y="2153707"/>
+                  <a:pt x="688441" y="1733807"/>
+                  <a:pt x="752878" y="1445285"/>
+                </a:cubicBezTo>
+                <a:cubicBezTo>
+                  <a:pt x="925059" y="674068"/>
+                  <a:pt x="975076" y="456292"/>
+                  <a:pt x="1202551" y="314229"/>
+                </a:cubicBezTo>
+                <a:cubicBezTo>
+                  <a:pt x="1287853" y="260956"/>
+                  <a:pt x="1394302" y="232308"/>
+                  <a:pt x="1505570" y="227178"/>
+                </a:cubicBezTo>
+                <a:close/>
+                <a:moveTo>
+                  <a:pt x="3142509" y="68854"/>
+                </a:moveTo>
+                <a:cubicBezTo>
+                  <a:pt x="3275474" y="52467"/>
+                  <a:pt x="3407455" y="106339"/>
+                  <a:pt x="3490978" y="211117"/>
+                </a:cubicBezTo>
+                <a:cubicBezTo>
+                  <a:pt x="3535271" y="266744"/>
+                  <a:pt x="3563404" y="333535"/>
+                  <a:pt x="3572083" y="404131"/>
+                </a:cubicBezTo>
+                <a:cubicBezTo>
+                  <a:pt x="3598092" y="615337"/>
+                  <a:pt x="3448040" y="807648"/>
+                  <a:pt x="3236814" y="833688"/>
+                </a:cubicBezTo>
+                <a:cubicBezTo>
+                  <a:pt x="3025594" y="859741"/>
+                  <a:pt x="2833255" y="709631"/>
+                  <a:pt x="2807245" y="498425"/>
+                </a:cubicBezTo>
+                <a:cubicBezTo>
+                  <a:pt x="2781232" y="287207"/>
+                  <a:pt x="2931283" y="94896"/>
+                  <a:pt x="3142509" y="68854"/>
+                </a:cubicBezTo>
+                <a:close/>
+                <a:moveTo>
+                  <a:pt x="0" y="0"/>
+                </a:moveTo>
+                <a:lnTo>
+                  <a:pt x="39858" y="0"/>
+                </a:lnTo>
+                <a:lnTo>
+                  <a:pt x="65022" y="5834"/>
+                </a:lnTo>
+                <a:cubicBezTo>
+                  <a:pt x="191545" y="45606"/>
+                  <a:pt x="305874" y="124173"/>
+                  <a:pt x="389258" y="235630"/>
+                </a:cubicBezTo>
+                <a:cubicBezTo>
+                  <a:pt x="430983" y="291600"/>
+                  <a:pt x="463360" y="353876"/>
+                  <a:pt x="485484" y="420070"/>
+                </a:cubicBezTo>
+                <a:cubicBezTo>
+                  <a:pt x="597711" y="759508"/>
+                  <a:pt x="413661" y="1125662"/>
+                  <a:pt x="74229" y="1237955"/>
+                </a:cubicBezTo>
+                <a:lnTo>
+                  <a:pt x="0" y="1254477"/>
+                </a:lnTo>
+                <a:close/>
+              </a:path>
+            </a:pathLst>
+          </a:custGeom>
+          <a:solidFill>
+            <a:schemeClr val="bg1"/>
+          </a:solidFill>
+          <a:ln w="127000">
+            <a:noFill/>
+          </a:ln>
+        </p:spPr>
+        <p:style>
+          <a:lnRef idx="2">
+            <a:schemeClr val="accent1">
+              <a:shade val="50000"/>
+            </a:schemeClr>
+          </a:lnRef>
+          <a:fillRef idx="1">
+            <a:schemeClr val="accent1"/>
+          </a:fillRef>
+          <a:effectRef idx="0">
+            <a:schemeClr val="accent1"/>
+          </a:effectRef>
+          <a:fontRef idx="minor">
+            <a:schemeClr val="lt1"/>
+          </a:fontRef>
+        </p:style>
+        <p:txBody>
+          <a:bodyPr wrap="square" rtlCol="0" anchor="ctr">
+            <a:noAutofit/>
+          </a:bodyPr>
+          <a:lstStyle/>
+          <a:p>
+            <a:pPr algn="ctr"/>
+            <a:endParaRPr lang="en-US"/>
+          </a:p>
+        </p:txBody>
+      </p:sp>
+      <p:sp useBgFill="1">
+        <p:nvSpPr>
+          <p:cNvPr id="75" name="Background Fill">
+            <a:extLst>
+              <a:ext uri="{FF2B5EF4-FFF2-40B4-BE49-F238E27FC236}">
+                <a16:creationId xmlns:a16="http://schemas.microsoft.com/office/drawing/2014/main" id="{6DA65B90-7B06-4499-91BA-CDDD36132481}"/>
+              </a:ext>
+              <a:ext uri="{C183D7F6-B498-43B3-948B-1728B52AA6E4}">
+                <adec:decorative xmlns:adec="http://schemas.microsoft.com/office/drawing/2017/decorative" val="1"/>
+              </a:ext>
+            </a:extLst>
+          </p:cNvPr>
+          <p:cNvSpPr>
+            <a:spLocks noGrp="1" noRot="1" noChangeAspect="1" noMove="1" noResize="1" noEditPoints="1" noAdjustHandles="1" noChangeArrowheads="1" noChangeShapeType="1" noTextEdit="1"/>
+          </p:cNvSpPr>
+          <p:nvPr>
+            <p:extLst>
+              <p:ext uri="{386F3935-93C4-4BCD-93E2-E3B085C9AB24}">
+                <p16:designElem xmlns:p16="http://schemas.microsoft.com/office/powerpoint/2015/main" val="1"/>
+              </p:ext>
+            </p:extLst>
+          </p:nvPr>
+        </p:nvSpPr>
+        <p:spPr>
+          <a:xfrm>
+            <a:off x="0" y="0"/>
+            <a:ext cx="12188952" cy="6858000"/>
+          </a:xfrm>
+          <a:prstGeom prst="rect">
+            <a:avLst/>
+          </a:prstGeom>
+          <a:ln>
+            <a:noFill/>
+          </a:ln>
+        </p:spPr>
+        <p:style>
+          <a:lnRef idx="2">
+            <a:schemeClr val="accent1">
+              <a:shade val="50000"/>
+            </a:schemeClr>
+          </a:lnRef>
+          <a:fillRef idx="1">
+            <a:schemeClr val="accent1"/>
+          </a:fillRef>
+          <a:effectRef idx="0">
+            <a:schemeClr val="accent1"/>
+          </a:effectRef>
+          <a:fontRef idx="minor">
+            <a:schemeClr val="lt1"/>
+          </a:fontRef>
+        </p:style>
+        <p:txBody>
+          <a:bodyPr rtlCol="0" anchor="ctr"/>
+          <a:lstStyle/>
+          <a:p>
+            <a:pPr algn="ctr"/>
+            <a:endParaRPr lang="en-US"/>
+          </a:p>
+        </p:txBody>
+      </p:sp>
+      <p:sp>
+        <p:nvSpPr>
+          <p:cNvPr id="77" name="Rectangle 76">
+            <a:extLst>
+              <a:ext uri="{FF2B5EF4-FFF2-40B4-BE49-F238E27FC236}">
+                <a16:creationId xmlns:a16="http://schemas.microsoft.com/office/drawing/2014/main" id="{D1FFE435-0754-492D-B815-BD114217D379}"/>
+              </a:ext>
+              <a:ext uri="{C183D7F6-B498-43B3-948B-1728B52AA6E4}">
+                <adec:decorative xmlns:adec="http://schemas.microsoft.com/office/drawing/2017/decorative" val="1"/>
+              </a:ext>
+            </a:extLst>
+          </p:cNvPr>
+          <p:cNvSpPr>
+            <a:spLocks noGrp="1" noRot="1" noChangeAspect="1" noMove="1" noResize="1" noEditPoints="1" noAdjustHandles="1" noChangeArrowheads="1" noChangeShapeType="1" noTextEdit="1"/>
+          </p:cNvSpPr>
+          <p:nvPr>
+            <p:extLst>
+              <p:ext uri="{386F3935-93C4-4BCD-93E2-E3B085C9AB24}">
+                <p16:designElem xmlns:p16="http://schemas.microsoft.com/office/powerpoint/2015/main" val="1"/>
+              </p:ext>
+            </p:extLst>
+          </p:nvPr>
+        </p:nvSpPr>
+        <p:spPr>
+          <a:xfrm>
+            <a:off x="0" y="0"/>
+            <a:ext cx="12192001" cy="6858000"/>
+          </a:xfrm>
+          <a:prstGeom prst="rect">
+            <a:avLst/>
+          </a:prstGeom>
+          <a:solidFill>
+            <a:srgbClr val="AEAEAE">
+              <a:alpha val="10000"/>
+            </a:srgbClr>
+          </a:solidFill>
+          <a:ln>
+            <a:noFill/>
+          </a:ln>
+        </p:spPr>
+        <p:style>
+          <a:lnRef idx="2">
+            <a:schemeClr val="accent1">
+              <a:shade val="50000"/>
+            </a:schemeClr>
+          </a:lnRef>
+          <a:fillRef idx="1">
+            <a:schemeClr val="accent1"/>
+          </a:fillRef>
+          <a:effectRef idx="0">
+            <a:schemeClr val="accent1"/>
+          </a:effectRef>
+          <a:fontRef idx="minor">
+            <a:schemeClr val="lt1"/>
+          </a:fontRef>
+        </p:style>
+        <p:txBody>
+          <a:bodyPr rtlCol="0" anchor="ctr"/>
+          <a:lstStyle/>
+          <a:p>
+            <a:pPr algn="ctr"/>
+            <a:endParaRPr lang="en-US" dirty="0"/>
+          </a:p>
+        </p:txBody>
+      </p:sp>
+      <p:sp>
+        <p:nvSpPr>
+          <p:cNvPr id="79" name="Freeform: Shape 78">
+            <a:extLst>
+              <a:ext uri="{FF2B5EF4-FFF2-40B4-BE49-F238E27FC236}">
+                <a16:creationId xmlns:a16="http://schemas.microsoft.com/office/drawing/2014/main" id="{7EF79062-B5BB-45DF-810C-95A324A9D60F}"/>
+              </a:ext>
+              <a:ext uri="{C183D7F6-B498-43B3-948B-1728B52AA6E4}">
+                <adec:decorative xmlns:adec="http://schemas.microsoft.com/office/drawing/2017/decorative" val="1"/>
+              </a:ext>
+            </a:extLst>
+          </p:cNvPr>
+          <p:cNvSpPr>
+            <a:spLocks noGrp="1" noRot="1" noChangeAspect="1" noMove="1" noResize="1" noEditPoints="1" noAdjustHandles="1" noChangeArrowheads="1" noChangeShapeType="1" noTextEdit="1"/>
+          </p:cNvSpPr>
+          <p:nvPr>
+            <p:extLst>
+              <p:ext uri="{386F3935-93C4-4BCD-93E2-E3B085C9AB24}">
+                <p16:designElem xmlns:p16="http://schemas.microsoft.com/office/powerpoint/2015/main" val="1"/>
+              </p:ext>
+            </p:extLst>
+          </p:nvPr>
+        </p:nvSpPr>
+        <p:spPr>
+          <a:xfrm flipH="1" flipV="1">
+            <a:off x="0" y="2140699"/>
+            <a:ext cx="12192000" cy="4717301"/>
+          </a:xfrm>
+          <a:custGeom>
+            <a:avLst/>
+            <a:gdLst>
+              <a:gd name="connsiteX0" fmla="*/ 8930642 w 12192000"/>
+              <a:gd name="connsiteY0" fmla="*/ 4273734 h 4717301"/>
+              <a:gd name="connsiteX1" fmla="*/ 9143134 w 12192000"/>
+              <a:gd name="connsiteY1" fmla="*/ 4396362 h 4717301"/>
+              <a:gd name="connsiteX2" fmla="*/ 9043549 w 12192000"/>
+              <a:gd name="connsiteY2" fmla="*/ 4693978 h 4717301"/>
+              <a:gd name="connsiteX3" fmla="*/ 8745984 w 12192000"/>
+              <a:gd name="connsiteY3" fmla="*/ 4594249 h 4717301"/>
+              <a:gd name="connsiteX4" fmla="*/ 8845568 w 12192000"/>
+              <a:gd name="connsiteY4" fmla="*/ 4296634 h 4717301"/>
+              <a:gd name="connsiteX5" fmla="*/ 8930642 w 12192000"/>
+              <a:gd name="connsiteY5" fmla="*/ 4273734 h 4717301"/>
+              <a:gd name="connsiteX6" fmla="*/ 9842642 w 12192000"/>
+              <a:gd name="connsiteY6" fmla="*/ 3718743 h 4717301"/>
+              <a:gd name="connsiteX7" fmla="*/ 10272210 w 12192000"/>
+              <a:gd name="connsiteY7" fmla="*/ 3966645 h 4717301"/>
+              <a:gd name="connsiteX8" fmla="*/ 10070896 w 12192000"/>
+              <a:gd name="connsiteY8" fmla="*/ 4568292 h 4717301"/>
+              <a:gd name="connsiteX9" fmla="*/ 9469346 w 12192000"/>
+              <a:gd name="connsiteY9" fmla="*/ 4366686 h 4717301"/>
+              <a:gd name="connsiteX10" fmla="*/ 9670660 w 12192000"/>
+              <a:gd name="connsiteY10" fmla="*/ 3765038 h 4717301"/>
+              <a:gd name="connsiteX11" fmla="*/ 9842642 w 12192000"/>
+              <a:gd name="connsiteY11" fmla="*/ 3718743 h 4717301"/>
+              <a:gd name="connsiteX12" fmla="*/ 0 w 12192000"/>
+              <a:gd name="connsiteY12" fmla="*/ 0 h 4717301"/>
+              <a:gd name="connsiteX13" fmla="*/ 12192000 w 12192000"/>
+              <a:gd name="connsiteY13" fmla="*/ 0 h 4717301"/>
+              <a:gd name="connsiteX14" fmla="*/ 12192000 w 12192000"/>
+              <a:gd name="connsiteY14" fmla="*/ 3369891 h 4717301"/>
+              <a:gd name="connsiteX15" fmla="*/ 12124015 w 12192000"/>
+              <a:gd name="connsiteY15" fmla="*/ 3410713 h 4717301"/>
+              <a:gd name="connsiteX16" fmla="*/ 11077457 w 12192000"/>
+              <a:gd name="connsiteY16" fmla="*/ 3501725 h 4717301"/>
+              <a:gd name="connsiteX17" fmla="*/ 9867246 w 12192000"/>
+              <a:gd name="connsiteY17" fmla="*/ 3351592 h 4717301"/>
+              <a:gd name="connsiteX18" fmla="*/ 8994802 w 12192000"/>
+              <a:gd name="connsiteY18" fmla="*/ 3878378 h 4717301"/>
+              <a:gd name="connsiteX19" fmla="*/ 6994655 w 12192000"/>
+              <a:gd name="connsiteY19" fmla="*/ 4335637 h 4717301"/>
+              <a:gd name="connsiteX20" fmla="*/ 6287534 w 12192000"/>
+              <a:gd name="connsiteY20" fmla="*/ 3714199 h 4717301"/>
+              <a:gd name="connsiteX21" fmla="*/ 4392596 w 12192000"/>
+              <a:gd name="connsiteY21" fmla="*/ 3392344 h 4717301"/>
+              <a:gd name="connsiteX22" fmla="*/ 3014500 w 12192000"/>
+              <a:gd name="connsiteY22" fmla="*/ 4100222 h 4717301"/>
+              <a:gd name="connsiteX23" fmla="*/ 86414 w 12192000"/>
+              <a:gd name="connsiteY23" fmla="*/ 3903305 h 4717301"/>
+              <a:gd name="connsiteX24" fmla="*/ 0 w 12192000"/>
+              <a:gd name="connsiteY24" fmla="*/ 3840566 h 4717301"/>
+            </a:gdLst>
+            <a:ahLst/>
+            <a:cxnLst>
+              <a:cxn ang="0">
+                <a:pos x="connsiteX0" y="connsiteY0"/>
+              </a:cxn>
+              <a:cxn ang="0">
+                <a:pos x="connsiteX1" y="connsiteY1"/>
+              </a:cxn>
+              <a:cxn ang="0">
+                <a:pos x="connsiteX2" y="connsiteY2"/>
+              </a:cxn>
+              <a:cxn ang="0">
+                <a:pos x="connsiteX3" y="connsiteY3"/>
+              </a:cxn>
+              <a:cxn ang="0">
+                <a:pos x="connsiteX4" y="connsiteY4"/>
+              </a:cxn>
+              <a:cxn ang="0">
+                <a:pos x="connsiteX5" y="connsiteY5"/>
+              </a:cxn>
+              <a:cxn ang="0">
+                <a:pos x="connsiteX6" y="connsiteY6"/>
+              </a:cxn>
+              <a:cxn ang="0">
+                <a:pos x="connsiteX7" y="connsiteY7"/>
+              </a:cxn>
+              <a:cxn ang="0">
+                <a:pos x="connsiteX8" y="connsiteY8"/>
+              </a:cxn>
+              <a:cxn ang="0">
+                <a:pos x="connsiteX9" y="connsiteY9"/>
+              </a:cxn>
+              <a:cxn ang="0">
+                <a:pos x="connsiteX10" y="connsiteY10"/>
+              </a:cxn>
+              <a:cxn ang="0">
+                <a:pos x="connsiteX11" y="connsiteY11"/>
+              </a:cxn>
+              <a:cxn ang="0">
+                <a:pos x="connsiteX12" y="connsiteY12"/>
+              </a:cxn>
+              <a:cxn ang="0">
+                <a:pos x="connsiteX13" y="connsiteY13"/>
+              </a:cxn>
+              <a:cxn ang="0">
+                <a:pos x="connsiteX14" y="connsiteY14"/>
+              </a:cxn>
+              <a:cxn ang="0">
+                <a:pos x="connsiteX15" y="connsiteY15"/>
+              </a:cxn>
+              <a:cxn ang="0">
+                <a:pos x="connsiteX16" y="connsiteY16"/>
+              </a:cxn>
+              <a:cxn ang="0">
+                <a:pos x="connsiteX17" y="connsiteY17"/>
+              </a:cxn>
+              <a:cxn ang="0">
+                <a:pos x="connsiteX18" y="connsiteY18"/>
+              </a:cxn>
+              <a:cxn ang="0">
+                <a:pos x="connsiteX19" y="connsiteY19"/>
+              </a:cxn>
+              <a:cxn ang="0">
+                <a:pos x="connsiteX20" y="connsiteY20"/>
+              </a:cxn>
+              <a:cxn ang="0">
+                <a:pos x="connsiteX21" y="connsiteY21"/>
+              </a:cxn>
+              <a:cxn ang="0">
+                <a:pos x="connsiteX22" y="connsiteY22"/>
+              </a:cxn>
+              <a:cxn ang="0">
+                <a:pos x="connsiteX23" y="connsiteY23"/>
+              </a:cxn>
+              <a:cxn ang="0">
+                <a:pos x="connsiteX24" y="connsiteY24"/>
+              </a:cxn>
+            </a:cxnLst>
+            <a:rect l="l" t="t" r="r" b="b"/>
+            <a:pathLst>
+              <a:path w="12192000" h="4717301">
+                <a:moveTo>
+                  <a:pt x="8930642" y="4273734"/>
+                </a:moveTo>
+                <a:cubicBezTo>
+                  <a:pt x="9016941" y="4268381"/>
+                  <a:pt x="9102130" y="4314070"/>
+                  <a:pt x="9143134" y="4396362"/>
+                </a:cubicBezTo>
+                <a:cubicBezTo>
+                  <a:pt x="9197806" y="4506087"/>
+                  <a:pt x="9153221" y="4639333"/>
+                  <a:pt x="9043549" y="4693978"/>
+                </a:cubicBezTo>
+                <a:cubicBezTo>
+                  <a:pt x="8933879" y="4748622"/>
+                  <a:pt x="8800655" y="4703973"/>
+                  <a:pt x="8745984" y="4594249"/>
+                </a:cubicBezTo>
+                <a:cubicBezTo>
+                  <a:pt x="8691311" y="4484525"/>
+                  <a:pt x="8735897" y="4351279"/>
+                  <a:pt x="8845568" y="4296634"/>
+                </a:cubicBezTo>
+                <a:cubicBezTo>
+                  <a:pt x="8872986" y="4282973"/>
+                  <a:pt x="8901875" y="4275517"/>
+                  <a:pt x="8930642" y="4273734"/>
+                </a:cubicBezTo>
+                <a:close/>
+                <a:moveTo>
+                  <a:pt x="9842642" y="3718743"/>
+                </a:moveTo>
+                <a:cubicBezTo>
+                  <a:pt x="10017101" y="3707923"/>
+                  <a:pt x="10189318" y="3800286"/>
+                  <a:pt x="10272210" y="3966645"/>
+                </a:cubicBezTo>
+                <a:cubicBezTo>
+                  <a:pt x="10382732" y="4188458"/>
+                  <a:pt x="10292600" y="4457825"/>
+                  <a:pt x="10070896" y="4568292"/>
+                </a:cubicBezTo>
+                <a:cubicBezTo>
+                  <a:pt x="9849191" y="4678760"/>
+                  <a:pt x="9579867" y="4588498"/>
+                  <a:pt x="9469346" y="4366686"/>
+                </a:cubicBezTo>
+                <a:cubicBezTo>
+                  <a:pt x="9358824" y="4144873"/>
+                  <a:pt x="9448956" y="3875506"/>
+                  <a:pt x="9670660" y="3765038"/>
+                </a:cubicBezTo>
+                <a:cubicBezTo>
+                  <a:pt x="9726087" y="3737421"/>
+                  <a:pt x="9784490" y="3722349"/>
+                  <a:pt x="9842642" y="3718743"/>
+                </a:cubicBezTo>
+                <a:close/>
+                <a:moveTo>
+                  <a:pt x="0" y="0"/>
+                </a:moveTo>
+                <a:lnTo>
+                  <a:pt x="12192000" y="0"/>
+                </a:lnTo>
+                <a:lnTo>
+                  <a:pt x="12192000" y="3369891"/>
+                </a:lnTo>
+                <a:lnTo>
+                  <a:pt x="12124015" y="3410713"/>
+                </a:lnTo>
+                <a:cubicBezTo>
+                  <a:pt x="11792041" y="3581538"/>
+                  <a:pt x="11443617" y="3577252"/>
+                  <a:pt x="11077457" y="3501725"/>
+                </a:cubicBezTo>
+                <a:cubicBezTo>
+                  <a:pt x="10679189" y="3419860"/>
+                  <a:pt x="10271734" y="3358281"/>
+                  <a:pt x="9867246" y="3351592"/>
+                </a:cubicBezTo>
+                <a:cubicBezTo>
+                  <a:pt x="9492336" y="3345611"/>
+                  <a:pt x="9239136" y="3626329"/>
+                  <a:pt x="8994802" y="3878378"/>
+                </a:cubicBezTo>
+                <a:cubicBezTo>
+                  <a:pt x="8385954" y="4506678"/>
+                  <a:pt x="7695268" y="4690742"/>
+                  <a:pt x="6994655" y="4335637"/>
+                </a:cubicBezTo>
+                <a:cubicBezTo>
+                  <a:pt x="6722938" y="4197922"/>
+                  <a:pt x="6494843" y="3948626"/>
+                  <a:pt x="6287534" y="3714199"/>
+                </a:cubicBezTo>
+                <a:cubicBezTo>
+                  <a:pt x="5731733" y="3085491"/>
+                  <a:pt x="5043559" y="3067499"/>
+                  <a:pt x="4392596" y="3392344"/>
+                </a:cubicBezTo>
+                <a:cubicBezTo>
+                  <a:pt x="3930423" y="3623867"/>
+                  <a:pt x="3492022" y="3908604"/>
+                  <a:pt x="3014500" y="4100222"/>
+                </a:cubicBezTo>
+                <a:cubicBezTo>
+                  <a:pt x="1977820" y="4518409"/>
+                  <a:pt x="973242" y="4499486"/>
+                  <a:pt x="86414" y="3903305"/>
+                </a:cubicBezTo>
+                <a:lnTo>
+                  <a:pt x="0" y="3840566"/>
+                </a:lnTo>
+                <a:close/>
+              </a:path>
+            </a:pathLst>
+          </a:custGeom>
+          <a:solidFill>
+            <a:schemeClr val="bg1"/>
+          </a:solidFill>
+          <a:ln>
+            <a:noFill/>
+          </a:ln>
+        </p:spPr>
+        <p:style>
+          <a:lnRef idx="2">
+            <a:schemeClr val="accent1">
+              <a:shade val="50000"/>
+            </a:schemeClr>
+          </a:lnRef>
+          <a:fillRef idx="1">
+            <a:schemeClr val="accent1"/>
+          </a:fillRef>
+          <a:effectRef idx="0">
+            <a:schemeClr val="accent1"/>
+          </a:effectRef>
+          <a:fontRef idx="minor">
+            <a:schemeClr val="lt1"/>
+          </a:fontRef>
+        </p:style>
+        <p:txBody>
+          <a:bodyPr rtlCol="0" anchor="ctr"/>
+          <a:lstStyle/>
+          <a:p>
+            <a:pPr algn="ctr"/>
+            <a:endParaRPr lang="en-US"/>
+          </a:p>
+        </p:txBody>
+      </p:sp>
+      <p:pic>
+        <p:nvPicPr>
+          <p:cNvPr id="1026" name="Picture 2" descr="More to life...: Planning REST API">
+            <a:extLst>
+              <a:ext uri="{FF2B5EF4-FFF2-40B4-BE49-F238E27FC236}">
+                <a16:creationId xmlns:a16="http://schemas.microsoft.com/office/drawing/2014/main" id="{0B1780A1-4B78-4ACA-BA6E-44BAC61F3C1F}"/>
+              </a:ext>
+            </a:extLst>
+          </p:cNvPr>
+          <p:cNvPicPr>
+            <a:picLocks noGrp="1" noChangeAspect="1" noChangeArrowheads="1"/>
+          </p:cNvPicPr>
+          <p:nvPr>
+            <p:ph idx="1"/>
+          </p:nvPr>
+        </p:nvPicPr>
+        <p:blipFill>
+          <a:blip r:embed="rId2">
+            <a:extLst>
+              <a:ext uri="{28A0092B-C50C-407E-A947-70E740481C1C}">
+                <a14:useLocalDpi xmlns:a14="http://schemas.microsoft.com/office/drawing/2010/main" val="0"/>
+              </a:ext>
+            </a:extLst>
+          </a:blip>
+          <a:stretch>
+            <a:fillRect/>
+          </a:stretch>
+        </p:blipFill>
+        <p:spPr bwMode="auto">
+          <a:xfrm>
+            <a:off x="299417" y="3429000"/>
+            <a:ext cx="6732625" cy="3196032"/>
+          </a:xfrm>
+          <a:prstGeom prst="rect">
+            <a:avLst/>
+          </a:prstGeom>
+          <a:noFill/>
+          <a:extLst>
+            <a:ext uri="{909E8E84-426E-40DD-AFC4-6F175D3DCCD1}">
+              <a14:hiddenFill xmlns:a14="http://schemas.microsoft.com/office/drawing/2010/main">
+                <a:solidFill>
+                  <a:srgbClr val="FFFFFF"/>
+                </a:solidFill>
+              </a14:hiddenFill>
+            </a:ext>
+          </a:extLst>
+        </p:spPr>
+      </p:pic>
+      <p:sp>
+        <p:nvSpPr>
+          <p:cNvPr id="2" name="TextBox 1">
+            <a:extLst>
+              <a:ext uri="{FF2B5EF4-FFF2-40B4-BE49-F238E27FC236}">
+                <a16:creationId xmlns:a16="http://schemas.microsoft.com/office/drawing/2014/main" id="{B26B857A-B1D7-4D5D-BC57-93DAF12BA855}"/>
+              </a:ext>
+            </a:extLst>
+          </p:cNvPr>
+          <p:cNvSpPr txBox="1"/>
+          <p:nvPr/>
+        </p:nvSpPr>
+        <p:spPr>
+          <a:xfrm>
+            <a:off x="7032042" y="3531765"/>
+            <a:ext cx="4955826" cy="2893100"/>
+          </a:xfrm>
+          <a:prstGeom prst="rect">
+            <a:avLst/>
+          </a:prstGeom>
+          <a:noFill/>
+        </p:spPr>
+        <p:txBody>
+          <a:bodyPr wrap="square" rtlCol="0">
+            <a:spAutoFit/>
+          </a:bodyPr>
+          <a:lstStyle/>
+          <a:p>
+            <a:r>
+              <a:rPr lang="en-US" sz="2000" b="1" dirty="0"/>
+              <a:t>   Links Used :</a:t>
+            </a:r>
+          </a:p>
+          <a:p>
+            <a:endParaRPr lang="en-US" dirty="0"/>
+          </a:p>
+          <a:p>
+            <a:pPr marL="285750" indent="-285750">
+              <a:buFontTx/>
+              <a:buChar char="-"/>
+            </a:pPr>
+            <a:r>
+              <a:rPr lang="en-US" dirty="0"/>
+              <a:t>"user/users“ – To get  all users.</a:t>
+            </a:r>
+          </a:p>
+          <a:p>
+            <a:pPr marL="285750" indent="-285750">
+              <a:buFontTx/>
+              <a:buChar char="-"/>
+            </a:pPr>
+            <a:r>
+              <a:rPr lang="en-US" dirty="0"/>
+              <a:t>"/user/{id}“ – To get user by Id.</a:t>
+            </a:r>
+          </a:p>
+          <a:p>
+            <a:endParaRPr lang="en-US" dirty="0"/>
+          </a:p>
+          <a:p>
+            <a:pPr marL="285750" indent="-285750">
+              <a:buFontTx/>
+              <a:buChar char="-"/>
+            </a:pPr>
+            <a:r>
+              <a:rPr lang="en-US" dirty="0"/>
+              <a:t>"/user/add“ – To save a new user.</a:t>
+            </a:r>
+          </a:p>
+          <a:p>
+            <a:pPr marL="285750" indent="-285750">
+              <a:buFontTx/>
+              <a:buChar char="-"/>
+            </a:pPr>
+            <a:endParaRPr lang="en-US" dirty="0"/>
+          </a:p>
+          <a:p>
+            <a:pPr marL="285750" indent="-285750">
+              <a:buFontTx/>
+              <a:buChar char="-"/>
+            </a:pPr>
+            <a:r>
+              <a:rPr lang="en-US" dirty="0"/>
+              <a:t>"/user/{id}“ – To update user info.</a:t>
+            </a:r>
+          </a:p>
+          <a:p>
+            <a:pPr marL="285750" indent="-285750">
+              <a:buFontTx/>
+              <a:buChar char="-"/>
+            </a:pPr>
+            <a:endParaRPr lang="en-US" dirty="0"/>
+          </a:p>
+          <a:p>
+            <a:pPr marL="285750" indent="-285750">
+              <a:buFontTx/>
+              <a:buChar char="-"/>
+            </a:pPr>
+            <a:r>
+              <a:rPr lang="en-US" dirty="0"/>
+              <a:t>"/user/{id}“ – To delete user by Id.</a:t>
+            </a:r>
+          </a:p>
+        </p:txBody>
+      </p:sp>
+      <p:sp>
+        <p:nvSpPr>
+          <p:cNvPr id="3" name="TextBox 2">
+            <a:extLst>
+              <a:ext uri="{FF2B5EF4-FFF2-40B4-BE49-F238E27FC236}">
+                <a16:creationId xmlns:a16="http://schemas.microsoft.com/office/drawing/2014/main" id="{E9966000-9D7A-4F85-A7D2-BB5906A41496}"/>
+              </a:ext>
+            </a:extLst>
+          </p:cNvPr>
+          <p:cNvSpPr txBox="1"/>
+          <p:nvPr/>
+        </p:nvSpPr>
+        <p:spPr>
+          <a:xfrm>
+            <a:off x="226503" y="1593908"/>
+            <a:ext cx="3372374" cy="523220"/>
+          </a:xfrm>
+          <a:prstGeom prst="rect">
+            <a:avLst/>
+          </a:prstGeom>
+          <a:noFill/>
+        </p:spPr>
+        <p:txBody>
+          <a:bodyPr wrap="square" rtlCol="0">
+            <a:spAutoFit/>
+          </a:bodyPr>
+          <a:lstStyle/>
+          <a:p>
+            <a:r>
+              <a:rPr lang="en-US" sz="2800" b="1" dirty="0"/>
+              <a:t>METHODS:</a:t>
+            </a:r>
+          </a:p>
+        </p:txBody>
+      </p:sp>
+    </p:spTree>
+    <p:extLst>
+      <p:ext uri="{BB962C8B-B14F-4D97-AF65-F5344CB8AC3E}">
+        <p14:creationId xmlns:p14="http://schemas.microsoft.com/office/powerpoint/2010/main" val="2799548518"/>
+      </p:ext>
+    </p:extLst>
+  </p:cSld>
+  <p:clrMapOvr>
+    <a:masterClrMapping/>
+  </p:clrMapOvr>
+</p:sld>
+</file>
+
+<file path=ppt/slides/slide9.xml><?xml version="1.0" encoding="utf-8"?>
+<p:sld xmlns:a="http://schemas.openxmlformats.org/drawingml/2006/main" xmlns:r="http://schemas.openxmlformats.org/officeDocument/2006/relationships" xmlns:p="http://schemas.openxmlformats.org/presentationml/2006/main">
+  <p:cSld>
+    <p:spTree>
+      <p:nvGrpSpPr>
+        <p:cNvPr id="1" name=""/>
+        <p:cNvGrpSpPr/>
+        <p:nvPr/>
+      </p:nvGrpSpPr>
+      <p:grpSpPr>
+        <a:xfrm>
+          <a:off x="0" y="0"/>
+          <a:ext cx="0" cy="0"/>
+          <a:chOff x="0" y="0"/>
+          <a:chExt cx="0" cy="0"/>
+        </a:xfrm>
+      </p:grpSpPr>
+      <p:sp>
+        <p:nvSpPr>
+          <p:cNvPr id="2" name="Title 1">
+            <a:extLst>
+              <a:ext uri="{FF2B5EF4-FFF2-40B4-BE49-F238E27FC236}">
+                <a16:creationId xmlns:a16="http://schemas.microsoft.com/office/drawing/2014/main" id="{C7EB9ABD-0A0C-4E62-8A56-361666E787E5}"/>
+              </a:ext>
+            </a:extLst>
+          </p:cNvPr>
+          <p:cNvSpPr>
+            <a:spLocks noGrp="1"/>
+          </p:cNvSpPr>
+          <p:nvPr>
+            <p:ph type="title"/>
+          </p:nvPr>
+        </p:nvSpPr>
+        <p:spPr>
+          <a:xfrm>
+            <a:off x="609600" y="715262"/>
+            <a:ext cx="10972800" cy="683721"/>
+          </a:xfrm>
+        </p:spPr>
+        <p:txBody>
+          <a:bodyPr>
+            <a:normAutofit fontScale="90000"/>
+          </a:bodyPr>
+          <a:lstStyle/>
+          <a:p>
+            <a:r>
+              <a:rPr lang="en-US" sz="4000" dirty="0"/>
+              <a:t>UseCase:</a:t>
+            </a:r>
+          </a:p>
+        </p:txBody>
+      </p:sp>
+      <p:pic>
+        <p:nvPicPr>
+          <p:cNvPr id="4" name="Content Placeholder 3">
+            <a:extLst>
+              <a:ext uri="{FF2B5EF4-FFF2-40B4-BE49-F238E27FC236}">
+                <a16:creationId xmlns:a16="http://schemas.microsoft.com/office/drawing/2014/main" id="{AF3D7FE7-F412-49FC-A414-15EBFDD79D6C}"/>
+              </a:ext>
+            </a:extLst>
+          </p:cNvPr>
+          <p:cNvPicPr>
+            <a:picLocks noGrp="1" noChangeAspect="1"/>
+          </p:cNvPicPr>
+          <p:nvPr>
+            <p:ph idx="1"/>
+          </p:nvPr>
+        </p:nvPicPr>
+        <p:blipFill>
+          <a:blip r:embed="rId2"/>
+          <a:stretch>
+            <a:fillRect/>
+          </a:stretch>
+        </p:blipFill>
+        <p:spPr>
+          <a:xfrm>
+            <a:off x="1409699" y="1398982"/>
+            <a:ext cx="7776245" cy="5184163"/>
+          </a:xfrm>
+          <a:prstGeom prst="rect">
+            <a:avLst/>
+          </a:prstGeom>
+        </p:spPr>
+      </p:pic>
+    </p:spTree>
+    <p:extLst>
+      <p:ext uri="{BB962C8B-B14F-4D97-AF65-F5344CB8AC3E}">
+        <p14:creationId xmlns:p14="http://schemas.microsoft.com/office/powerpoint/2010/main" val="2831198387"/>
       </p:ext>
     </p:extLst>
   </p:cSld>
